--- a/SCREAMING FROG.pptx
+++ b/SCREAMING FROG.pptx
@@ -5,10 +5,10 @@
     <p:sldMasterId id="2147483855" r:id="rId4"/>
   </p:sldMasterIdLst>
   <p:notesMasterIdLst>
-    <p:notesMasterId r:id="rId24"/>
+    <p:notesMasterId r:id="rId35"/>
   </p:notesMasterIdLst>
   <p:handoutMasterIdLst>
-    <p:handoutMasterId r:id="rId25"/>
+    <p:handoutMasterId r:id="rId36"/>
   </p:handoutMasterIdLst>
   <p:sldIdLst>
     <p:sldId id="256" r:id="rId5"/>
@@ -30,6 +30,17 @@
     <p:sldId id="273" r:id="rId21"/>
     <p:sldId id="274" r:id="rId22"/>
     <p:sldId id="275" r:id="rId23"/>
+    <p:sldId id="276" r:id="rId24"/>
+    <p:sldId id="277" r:id="rId25"/>
+    <p:sldId id="278" r:id="rId26"/>
+    <p:sldId id="279" r:id="rId27"/>
+    <p:sldId id="280" r:id="rId28"/>
+    <p:sldId id="281" r:id="rId29"/>
+    <p:sldId id="282" r:id="rId30"/>
+    <p:sldId id="283" r:id="rId31"/>
+    <p:sldId id="285" r:id="rId32"/>
+    <p:sldId id="287" r:id="rId33"/>
+    <p:sldId id="286" r:id="rId34"/>
   </p:sldIdLst>
   <p:sldSz cx="12192000" cy="6858000"/>
   <p:notesSz cx="6858000" cy="9144000"/>
@@ -233,7 +244,7 @@
           <a:p>
             <a:fld id="{2B85766F-5EC0-4797-B4D1-777FCB005B11}" type="datetimeFigureOut">
               <a:rPr lang="en-US" smtClean="0"/>
-              <a:t>7/25/2022</a:t>
+              <a:t>7/26/2022</a:t>
             </a:fld>
             <a:endParaRPr lang="en-US" dirty="0"/>
           </a:p>
@@ -410,7 +421,7 @@
           <a:p>
             <a:fld id="{B2B4B5EC-152C-4627-80C0-63B10D5574EF}" type="datetimeFigureOut">
               <a:rPr lang="en-US" smtClean="0"/>
-              <a:t>7/25/2022</a:t>
+              <a:t>7/26/2022</a:t>
             </a:fld>
             <a:endParaRPr lang="en-US" dirty="0"/>
           </a:p>
@@ -888,7 +899,7 @@
           <a:p>
             <a:fld id="{48A87A34-81AB-432B-8DAE-1953F412C126}" type="datetimeFigureOut">
               <a:rPr lang="en-US" smtClean="0"/>
-              <a:t>7/25/2022</a:t>
+              <a:t>7/26/2022</a:t>
             </a:fld>
             <a:endParaRPr lang="en-US" dirty="0"/>
           </a:p>
@@ -1109,7 +1120,7 @@
           <a:p>
             <a:fld id="{48A87A34-81AB-432B-8DAE-1953F412C126}" type="datetimeFigureOut">
               <a:rPr lang="en-US" smtClean="0"/>
-              <a:t>7/25/2022</a:t>
+              <a:t>7/26/2022</a:t>
             </a:fld>
             <a:endParaRPr lang="en-US" dirty="0"/>
           </a:p>
@@ -1289,7 +1300,7 @@
           <a:p>
             <a:fld id="{48A87A34-81AB-432B-8DAE-1953F412C126}" type="datetimeFigureOut">
               <a:rPr lang="en-US" smtClean="0"/>
-              <a:t>7/25/2022</a:t>
+              <a:t>7/26/2022</a:t>
             </a:fld>
             <a:endParaRPr lang="en-US" dirty="0"/>
           </a:p>
@@ -1459,7 +1470,7 @@
           <a:p>
             <a:fld id="{48A87A34-81AB-432B-8DAE-1953F412C126}" type="datetimeFigureOut">
               <a:rPr lang="en-US" smtClean="0"/>
-              <a:t>7/25/2022</a:t>
+              <a:t>7/26/2022</a:t>
             </a:fld>
             <a:endParaRPr lang="en-US" dirty="0"/>
           </a:p>
@@ -1733,7 +1744,7 @@
           <a:p>
             <a:fld id="{48A87A34-81AB-432B-8DAE-1953F412C126}" type="datetimeFigureOut">
               <a:rPr lang="en-US" smtClean="0"/>
-              <a:t>7/25/2022</a:t>
+              <a:t>7/26/2022</a:t>
             </a:fld>
             <a:endParaRPr lang="en-US" dirty="0"/>
           </a:p>
@@ -2056,7 +2067,7 @@
           <a:p>
             <a:fld id="{48A87A34-81AB-432B-8DAE-1953F412C126}" type="datetimeFigureOut">
               <a:rPr lang="en-US" smtClean="0"/>
-              <a:t>7/25/2022</a:t>
+              <a:t>7/26/2022</a:t>
             </a:fld>
             <a:endParaRPr lang="en-US" dirty="0"/>
           </a:p>
@@ -2480,7 +2491,7 @@
           <a:p>
             <a:fld id="{48A87A34-81AB-432B-8DAE-1953F412C126}" type="datetimeFigureOut">
               <a:rPr lang="en-US" smtClean="0"/>
-              <a:t>7/25/2022</a:t>
+              <a:t>7/26/2022</a:t>
             </a:fld>
             <a:endParaRPr lang="en-US" dirty="0"/>
           </a:p>
@@ -2598,7 +2609,7 @@
           <a:p>
             <a:fld id="{48A87A34-81AB-432B-8DAE-1953F412C126}" type="datetimeFigureOut">
               <a:rPr lang="en-US" smtClean="0"/>
-              <a:t>7/25/2022</a:t>
+              <a:t>7/26/2022</a:t>
             </a:fld>
             <a:endParaRPr lang="en-US" dirty="0"/>
           </a:p>
@@ -2693,7 +2704,7 @@
           <a:p>
             <a:fld id="{48A87A34-81AB-432B-8DAE-1953F412C126}" type="datetimeFigureOut">
               <a:rPr lang="en-US" smtClean="0"/>
-              <a:t>7/25/2022</a:t>
+              <a:t>7/26/2022</a:t>
             </a:fld>
             <a:endParaRPr lang="en-US" dirty="0"/>
           </a:p>
@@ -2983,7 +2994,7 @@
           <a:p>
             <a:fld id="{48A87A34-81AB-432B-8DAE-1953F412C126}" type="datetimeFigureOut">
               <a:rPr lang="en-US" smtClean="0"/>
-              <a:t>7/25/2022</a:t>
+              <a:t>7/26/2022</a:t>
             </a:fld>
             <a:endParaRPr lang="en-US" dirty="0"/>
           </a:p>
@@ -3255,7 +3266,7 @@
           <a:p>
             <a:fld id="{48A87A34-81AB-432B-8DAE-1953F412C126}" type="datetimeFigureOut">
               <a:rPr lang="en-US" smtClean="0"/>
-              <a:t>7/25/2022</a:t>
+              <a:t>7/26/2022</a:t>
             </a:fld>
             <a:endParaRPr lang="en-US" dirty="0"/>
           </a:p>
@@ -3510,7 +3521,7 @@
             <a:fld id="{48A87A34-81AB-432B-8DAE-1953F412C126}" type="datetimeFigureOut">
               <a:rPr lang="en-US" smtClean="0"/>
               <a:pPr/>
-              <a:t>7/25/2022</a:t>
+              <a:t>7/26/2022</a:t>
             </a:fld>
             <a:endParaRPr lang="en-US" dirty="0"/>
           </a:p>
@@ -5999,6 +6010,30 @@
           </a:p>
         </p:txBody>
       </p:sp>
+      <p:pic>
+        <p:nvPicPr>
+          <p:cNvPr id="3" name="Picture 2"/>
+          <p:cNvPicPr>
+            <a:picLocks noChangeAspect="1"/>
+          </p:cNvPicPr>
+          <p:nvPr/>
+        </p:nvPicPr>
+        <p:blipFill>
+          <a:blip r:embed="rId2"/>
+          <a:stretch>
+            <a:fillRect/>
+          </a:stretch>
+        </p:blipFill>
+        <p:spPr>
+          <a:xfrm>
+            <a:off x="2769325" y="1339497"/>
+            <a:ext cx="9005178" cy="4547497"/>
+          </a:xfrm>
+          <a:prstGeom prst="rect">
+            <a:avLst/>
+          </a:prstGeom>
+        </p:spPr>
+      </p:pic>
     </p:spTree>
     <p:extLst>
       <p:ext uri="{BB962C8B-B14F-4D97-AF65-F5344CB8AC3E}">
@@ -6185,6 +6220,1918 @@
 </p:sld>
 </file>
 
+<file path=ppt/slides/slide20.xml><?xml version="1.0" encoding="utf-8"?>
+<p:sld xmlns:a="http://schemas.openxmlformats.org/drawingml/2006/main" xmlns:r="http://schemas.openxmlformats.org/officeDocument/2006/relationships" xmlns:p="http://schemas.openxmlformats.org/presentationml/2006/main">
+  <p:cSld>
+    <p:spTree>
+      <p:nvGrpSpPr>
+        <p:cNvPr id="1" name=""/>
+        <p:cNvGrpSpPr/>
+        <p:nvPr/>
+      </p:nvGrpSpPr>
+      <p:grpSpPr>
+        <a:xfrm>
+          <a:off x="0" y="0"/>
+          <a:ext cx="0" cy="0"/>
+          <a:chOff x="0" y="0"/>
+          <a:chExt cx="0" cy="0"/>
+        </a:xfrm>
+      </p:grpSpPr>
+      <p:sp>
+        <p:nvSpPr>
+          <p:cNvPr id="2" name="Title 1">
+            <a:extLst>
+              <a:ext uri="{FF2B5EF4-FFF2-40B4-BE49-F238E27FC236}">
+                <a16:creationId xmlns:a16="http://schemas.microsoft.com/office/drawing/2014/main" id="{34DB6CE4-2B13-4715-B5B2-615A55922CA1}"/>
+              </a:ext>
+            </a:extLst>
+          </p:cNvPr>
+          <p:cNvSpPr>
+            <a:spLocks noGrp="1"/>
+          </p:cNvSpPr>
+          <p:nvPr>
+            <p:ph type="title"/>
+          </p:nvPr>
+        </p:nvSpPr>
+        <p:spPr>
+          <a:xfrm>
+            <a:off x="594360" y="470263"/>
+            <a:ext cx="9875520" cy="653143"/>
+          </a:xfrm>
+        </p:spPr>
+        <p:txBody>
+          <a:bodyPr>
+            <a:normAutofit fontScale="90000"/>
+          </a:bodyPr>
+          <a:lstStyle/>
+          <a:p>
+            <a:r>
+              <a:rPr lang="en-US" dirty="0">
+                <a:solidFill>
+                  <a:srgbClr val="FF0000"/>
+                </a:solidFill>
+                <a:latin typeface="Rockwell" panose="02060603020205020403" pitchFamily="18" charset="0"/>
+              </a:rPr>
+              <a:t>https://www.jiomart.com/</a:t>
+            </a:r>
+            <a:endParaRPr lang="en-US" sz="4400" dirty="0">
+              <a:solidFill>
+                <a:srgbClr val="FF0000"/>
+              </a:solidFill>
+              <a:latin typeface="Rockwell" panose="02060603020205020403" pitchFamily="18" charset="0"/>
+            </a:endParaRPr>
+          </a:p>
+        </p:txBody>
+      </p:sp>
+      <p:sp>
+        <p:nvSpPr>
+          <p:cNvPr id="5" name="Title 1">
+            <a:extLst>
+              <a:ext uri="{FF2B5EF4-FFF2-40B4-BE49-F238E27FC236}">
+                <a16:creationId xmlns:a16="http://schemas.microsoft.com/office/drawing/2014/main" id="{34DB6CE4-2B13-4715-B5B2-615A55922CA1}"/>
+              </a:ext>
+            </a:extLst>
+          </p:cNvPr>
+          <p:cNvSpPr txBox="1">
+            <a:spLocks/>
+          </p:cNvSpPr>
+          <p:nvPr/>
+        </p:nvSpPr>
+        <p:spPr>
+          <a:xfrm>
+            <a:off x="594360" y="2622403"/>
+            <a:ext cx="2262051" cy="1637211"/>
+          </a:xfrm>
+          <a:prstGeom prst="rect">
+            <a:avLst/>
+          </a:prstGeom>
+        </p:spPr>
+        <p:txBody>
+          <a:bodyPr vert="horz" lIns="91440" tIns="45720" rIns="91440" bIns="45720" rtlCol="0" anchor="ctr">
+            <a:normAutofit fontScale="90000" lnSpcReduction="10000"/>
+          </a:bodyPr>
+          <a:lstStyle>
+            <a:lvl1pPr algn="l" defTabSz="914400" rtl="0" eaLnBrk="1" latinLnBrk="0" hangingPunct="1">
+              <a:lnSpc>
+                <a:spcPct val="90000"/>
+              </a:lnSpc>
+              <a:spcBef>
+                <a:spcPct val="0"/>
+              </a:spcBef>
+              <a:buNone/>
+              <a:defRPr sz="4400" kern="1200">
+                <a:solidFill>
+                  <a:schemeClr val="accent1"/>
+                </a:solidFill>
+                <a:latin typeface="+mj-lt"/>
+                <a:ea typeface="+mj-ea"/>
+                <a:cs typeface="+mj-cs"/>
+              </a:defRPr>
+            </a:lvl1pPr>
+          </a:lstStyle>
+          <a:p>
+            <a:r>
+              <a:rPr lang="en-US" dirty="0" smtClean="0">
+                <a:latin typeface="Anko Personal Use SemBd" pitchFamily="50" charset="0"/>
+              </a:rPr>
+              <a:t>Internal </a:t>
+            </a:r>
+            <a:r>
+              <a:rPr lang="en-US" dirty="0" smtClean="0">
+                <a:latin typeface="Anko Personal Use SemBd" pitchFamily="50" charset="0"/>
+              </a:rPr>
+              <a:t>Links – </a:t>
+            </a:r>
+          </a:p>
+          <a:p>
+            <a:r>
+              <a:rPr lang="en-US" dirty="0" smtClean="0">
+                <a:latin typeface="Anko Personal Use SemBd" pitchFamily="50" charset="0"/>
+              </a:rPr>
+              <a:t>HTML</a:t>
+            </a:r>
+            <a:r>
+              <a:rPr lang="en-US" dirty="0" smtClean="0">
+                <a:latin typeface="Anko Personal Use SemBd" pitchFamily="50" charset="0"/>
+              </a:rPr>
+              <a:t>:</a:t>
+            </a:r>
+            <a:endParaRPr lang="en-US" dirty="0">
+              <a:latin typeface="Anko Personal Use SemBd" pitchFamily="50" charset="0"/>
+            </a:endParaRPr>
+          </a:p>
+        </p:txBody>
+      </p:sp>
+      <p:pic>
+        <p:nvPicPr>
+          <p:cNvPr id="4" name="Picture 3"/>
+          <p:cNvPicPr>
+            <a:picLocks noChangeAspect="1"/>
+          </p:cNvPicPr>
+          <p:nvPr/>
+        </p:nvPicPr>
+        <p:blipFill>
+          <a:blip r:embed="rId2"/>
+          <a:stretch>
+            <a:fillRect/>
+          </a:stretch>
+        </p:blipFill>
+        <p:spPr>
+          <a:xfrm>
+            <a:off x="3091544" y="1123406"/>
+            <a:ext cx="8651558" cy="5379040"/>
+          </a:xfrm>
+          <a:prstGeom prst="rect">
+            <a:avLst/>
+          </a:prstGeom>
+        </p:spPr>
+      </p:pic>
+    </p:spTree>
+    <p:extLst>
+      <p:ext uri="{BB962C8B-B14F-4D97-AF65-F5344CB8AC3E}">
+        <p14:creationId xmlns:p14="http://schemas.microsoft.com/office/powerpoint/2010/main" val="2355597538"/>
+      </p:ext>
+    </p:extLst>
+  </p:cSld>
+  <p:clrMapOvr>
+    <a:masterClrMapping/>
+  </p:clrMapOvr>
+  <p:timing>
+    <p:tnLst>
+      <p:par>
+        <p:cTn id="1" dur="indefinite" restart="never" nodeType="tmRoot"/>
+      </p:par>
+    </p:tnLst>
+  </p:timing>
+</p:sld>
+</file>
+
+<file path=ppt/slides/slide21.xml><?xml version="1.0" encoding="utf-8"?>
+<p:sld xmlns:a="http://schemas.openxmlformats.org/drawingml/2006/main" xmlns:r="http://schemas.openxmlformats.org/officeDocument/2006/relationships" xmlns:p="http://schemas.openxmlformats.org/presentationml/2006/main">
+  <p:cSld>
+    <p:spTree>
+      <p:nvGrpSpPr>
+        <p:cNvPr id="1" name=""/>
+        <p:cNvGrpSpPr/>
+        <p:nvPr/>
+      </p:nvGrpSpPr>
+      <p:grpSpPr>
+        <a:xfrm>
+          <a:off x="0" y="0"/>
+          <a:ext cx="0" cy="0"/>
+          <a:chOff x="0" y="0"/>
+          <a:chExt cx="0" cy="0"/>
+        </a:xfrm>
+      </p:grpSpPr>
+      <p:sp>
+        <p:nvSpPr>
+          <p:cNvPr id="2" name="Title 1">
+            <a:extLst>
+              <a:ext uri="{FF2B5EF4-FFF2-40B4-BE49-F238E27FC236}">
+                <a16:creationId xmlns:a16="http://schemas.microsoft.com/office/drawing/2014/main" id="{34DB6CE4-2B13-4715-B5B2-615A55922CA1}"/>
+              </a:ext>
+            </a:extLst>
+          </p:cNvPr>
+          <p:cNvSpPr>
+            <a:spLocks noGrp="1"/>
+          </p:cNvSpPr>
+          <p:nvPr>
+            <p:ph type="title"/>
+          </p:nvPr>
+        </p:nvSpPr>
+        <p:spPr>
+          <a:xfrm>
+            <a:off x="594360" y="470263"/>
+            <a:ext cx="9875520" cy="653143"/>
+          </a:xfrm>
+        </p:spPr>
+        <p:txBody>
+          <a:bodyPr>
+            <a:normAutofit fontScale="90000"/>
+          </a:bodyPr>
+          <a:lstStyle/>
+          <a:p>
+            <a:r>
+              <a:rPr lang="en-US" dirty="0">
+                <a:solidFill>
+                  <a:srgbClr val="FF0000"/>
+                </a:solidFill>
+                <a:latin typeface="Rockwell" panose="02060603020205020403" pitchFamily="18" charset="0"/>
+              </a:rPr>
+              <a:t>https://www.jiomart.com/</a:t>
+            </a:r>
+            <a:endParaRPr lang="en-US" sz="4400" dirty="0">
+              <a:solidFill>
+                <a:srgbClr val="FF0000"/>
+              </a:solidFill>
+              <a:latin typeface="Rockwell" panose="02060603020205020403" pitchFamily="18" charset="0"/>
+            </a:endParaRPr>
+          </a:p>
+        </p:txBody>
+      </p:sp>
+      <p:sp>
+        <p:nvSpPr>
+          <p:cNvPr id="5" name="Title 1">
+            <a:extLst>
+              <a:ext uri="{FF2B5EF4-FFF2-40B4-BE49-F238E27FC236}">
+                <a16:creationId xmlns:a16="http://schemas.microsoft.com/office/drawing/2014/main" id="{34DB6CE4-2B13-4715-B5B2-615A55922CA1}"/>
+              </a:ext>
+            </a:extLst>
+          </p:cNvPr>
+          <p:cNvSpPr txBox="1">
+            <a:spLocks/>
+          </p:cNvSpPr>
+          <p:nvPr/>
+        </p:nvSpPr>
+        <p:spPr>
+          <a:xfrm>
+            <a:off x="594360" y="2622403"/>
+            <a:ext cx="2262051" cy="1637211"/>
+          </a:xfrm>
+          <a:prstGeom prst="rect">
+            <a:avLst/>
+          </a:prstGeom>
+        </p:spPr>
+        <p:txBody>
+          <a:bodyPr vert="horz" lIns="91440" tIns="45720" rIns="91440" bIns="45720" rtlCol="0" anchor="ctr">
+            <a:normAutofit fontScale="90000" lnSpcReduction="10000"/>
+          </a:bodyPr>
+          <a:lstStyle>
+            <a:lvl1pPr algn="l" defTabSz="914400" rtl="0" eaLnBrk="1" latinLnBrk="0" hangingPunct="1">
+              <a:lnSpc>
+                <a:spcPct val="90000"/>
+              </a:lnSpc>
+              <a:spcBef>
+                <a:spcPct val="0"/>
+              </a:spcBef>
+              <a:buNone/>
+              <a:defRPr sz="4400" kern="1200">
+                <a:solidFill>
+                  <a:schemeClr val="accent1"/>
+                </a:solidFill>
+                <a:latin typeface="+mj-lt"/>
+                <a:ea typeface="+mj-ea"/>
+                <a:cs typeface="+mj-cs"/>
+              </a:defRPr>
+            </a:lvl1pPr>
+          </a:lstStyle>
+          <a:p>
+            <a:r>
+              <a:rPr lang="en-US" dirty="0" smtClean="0">
+                <a:latin typeface="Anko Personal Use SemBd" pitchFamily="50" charset="0"/>
+              </a:rPr>
+              <a:t>Internal </a:t>
+            </a:r>
+            <a:r>
+              <a:rPr lang="en-US" dirty="0" smtClean="0">
+                <a:latin typeface="Anko Personal Use SemBd" pitchFamily="50" charset="0"/>
+              </a:rPr>
+              <a:t>Links – </a:t>
+            </a:r>
+          </a:p>
+          <a:p>
+            <a:r>
+              <a:rPr lang="en-US" dirty="0" smtClean="0">
+                <a:latin typeface="Anko Personal Use SemBd" pitchFamily="50" charset="0"/>
+              </a:rPr>
+              <a:t>JAVA</a:t>
+            </a:r>
+            <a:r>
+              <a:rPr lang="en-US" dirty="0" smtClean="0">
+                <a:latin typeface="Anko Personal Use SemBd" pitchFamily="50" charset="0"/>
+              </a:rPr>
+              <a:t>:</a:t>
+            </a:r>
+            <a:endParaRPr lang="en-US" dirty="0">
+              <a:latin typeface="Anko Personal Use SemBd" pitchFamily="50" charset="0"/>
+            </a:endParaRPr>
+          </a:p>
+        </p:txBody>
+      </p:sp>
+      <p:pic>
+        <p:nvPicPr>
+          <p:cNvPr id="3" name="Picture 2"/>
+          <p:cNvPicPr>
+            <a:picLocks noChangeAspect="1"/>
+          </p:cNvPicPr>
+          <p:nvPr/>
+        </p:nvPicPr>
+        <p:blipFill>
+          <a:blip r:embed="rId2"/>
+          <a:stretch>
+            <a:fillRect/>
+          </a:stretch>
+        </p:blipFill>
+        <p:spPr>
+          <a:xfrm>
+            <a:off x="3196044" y="1232193"/>
+            <a:ext cx="8524875" cy="5297873"/>
+          </a:xfrm>
+          <a:prstGeom prst="rect">
+            <a:avLst/>
+          </a:prstGeom>
+        </p:spPr>
+      </p:pic>
+    </p:spTree>
+    <p:extLst>
+      <p:ext uri="{BB962C8B-B14F-4D97-AF65-F5344CB8AC3E}">
+        <p14:creationId xmlns:p14="http://schemas.microsoft.com/office/powerpoint/2010/main" val="988855706"/>
+      </p:ext>
+    </p:extLst>
+  </p:cSld>
+  <p:clrMapOvr>
+    <a:masterClrMapping/>
+  </p:clrMapOvr>
+  <p:timing>
+    <p:tnLst>
+      <p:par>
+        <p:cTn id="1" dur="indefinite" restart="never" nodeType="tmRoot"/>
+      </p:par>
+    </p:tnLst>
+  </p:timing>
+</p:sld>
+</file>
+
+<file path=ppt/slides/slide22.xml><?xml version="1.0" encoding="utf-8"?>
+<p:sld xmlns:a="http://schemas.openxmlformats.org/drawingml/2006/main" xmlns:r="http://schemas.openxmlformats.org/officeDocument/2006/relationships" xmlns:p="http://schemas.openxmlformats.org/presentationml/2006/main">
+  <p:cSld>
+    <p:spTree>
+      <p:nvGrpSpPr>
+        <p:cNvPr id="1" name=""/>
+        <p:cNvGrpSpPr/>
+        <p:nvPr/>
+      </p:nvGrpSpPr>
+      <p:grpSpPr>
+        <a:xfrm>
+          <a:off x="0" y="0"/>
+          <a:ext cx="0" cy="0"/>
+          <a:chOff x="0" y="0"/>
+          <a:chExt cx="0" cy="0"/>
+        </a:xfrm>
+      </p:grpSpPr>
+      <p:sp>
+        <p:nvSpPr>
+          <p:cNvPr id="2" name="Title 1">
+            <a:extLst>
+              <a:ext uri="{FF2B5EF4-FFF2-40B4-BE49-F238E27FC236}">
+                <a16:creationId xmlns:a16="http://schemas.microsoft.com/office/drawing/2014/main" id="{34DB6CE4-2B13-4715-B5B2-615A55922CA1}"/>
+              </a:ext>
+            </a:extLst>
+          </p:cNvPr>
+          <p:cNvSpPr>
+            <a:spLocks noGrp="1"/>
+          </p:cNvSpPr>
+          <p:nvPr>
+            <p:ph type="title"/>
+          </p:nvPr>
+        </p:nvSpPr>
+        <p:spPr>
+          <a:xfrm>
+            <a:off x="594360" y="470263"/>
+            <a:ext cx="9875520" cy="653143"/>
+          </a:xfrm>
+        </p:spPr>
+        <p:txBody>
+          <a:bodyPr>
+            <a:normAutofit fontScale="90000"/>
+          </a:bodyPr>
+          <a:lstStyle/>
+          <a:p>
+            <a:r>
+              <a:rPr lang="en-US" dirty="0">
+                <a:solidFill>
+                  <a:srgbClr val="FF0000"/>
+                </a:solidFill>
+                <a:latin typeface="Rockwell" panose="02060603020205020403" pitchFamily="18" charset="0"/>
+              </a:rPr>
+              <a:t>https://www.jiomart.com/</a:t>
+            </a:r>
+            <a:endParaRPr lang="en-US" sz="4400" dirty="0">
+              <a:solidFill>
+                <a:srgbClr val="FF0000"/>
+              </a:solidFill>
+              <a:latin typeface="Rockwell" panose="02060603020205020403" pitchFamily="18" charset="0"/>
+            </a:endParaRPr>
+          </a:p>
+        </p:txBody>
+      </p:sp>
+      <p:sp>
+        <p:nvSpPr>
+          <p:cNvPr id="5" name="Title 1">
+            <a:extLst>
+              <a:ext uri="{FF2B5EF4-FFF2-40B4-BE49-F238E27FC236}">
+                <a16:creationId xmlns:a16="http://schemas.microsoft.com/office/drawing/2014/main" id="{34DB6CE4-2B13-4715-B5B2-615A55922CA1}"/>
+              </a:ext>
+            </a:extLst>
+          </p:cNvPr>
+          <p:cNvSpPr txBox="1">
+            <a:spLocks/>
+          </p:cNvSpPr>
+          <p:nvPr/>
+        </p:nvSpPr>
+        <p:spPr>
+          <a:xfrm>
+            <a:off x="594360" y="2622403"/>
+            <a:ext cx="2262051" cy="1637211"/>
+          </a:xfrm>
+          <a:prstGeom prst="rect">
+            <a:avLst/>
+          </a:prstGeom>
+        </p:spPr>
+        <p:txBody>
+          <a:bodyPr vert="horz" lIns="91440" tIns="45720" rIns="91440" bIns="45720" rtlCol="0" anchor="ctr">
+            <a:normAutofit fontScale="90000" lnSpcReduction="10000"/>
+          </a:bodyPr>
+          <a:lstStyle>
+            <a:lvl1pPr algn="l" defTabSz="914400" rtl="0" eaLnBrk="1" latinLnBrk="0" hangingPunct="1">
+              <a:lnSpc>
+                <a:spcPct val="90000"/>
+              </a:lnSpc>
+              <a:spcBef>
+                <a:spcPct val="0"/>
+              </a:spcBef>
+              <a:buNone/>
+              <a:defRPr sz="4400" kern="1200">
+                <a:solidFill>
+                  <a:schemeClr val="accent1"/>
+                </a:solidFill>
+                <a:latin typeface="+mj-lt"/>
+                <a:ea typeface="+mj-ea"/>
+                <a:cs typeface="+mj-cs"/>
+              </a:defRPr>
+            </a:lvl1pPr>
+          </a:lstStyle>
+          <a:p>
+            <a:r>
+              <a:rPr lang="en-US" dirty="0" smtClean="0">
+                <a:latin typeface="Anko Personal Use SemBd" pitchFamily="50" charset="0"/>
+              </a:rPr>
+              <a:t>Internal </a:t>
+            </a:r>
+            <a:r>
+              <a:rPr lang="en-US" dirty="0" smtClean="0">
+                <a:latin typeface="Anko Personal Use SemBd" pitchFamily="50" charset="0"/>
+              </a:rPr>
+              <a:t>Links – </a:t>
+            </a:r>
+          </a:p>
+          <a:p>
+            <a:r>
+              <a:rPr lang="en-US" dirty="0" smtClean="0">
+                <a:latin typeface="Anko Personal Use SemBd" pitchFamily="50" charset="0"/>
+              </a:rPr>
+              <a:t>CSS</a:t>
+            </a:r>
+            <a:r>
+              <a:rPr lang="en-US" dirty="0" smtClean="0">
+                <a:latin typeface="Anko Personal Use SemBd" pitchFamily="50" charset="0"/>
+              </a:rPr>
+              <a:t>:</a:t>
+            </a:r>
+            <a:endParaRPr lang="en-US" dirty="0">
+              <a:latin typeface="Anko Personal Use SemBd" pitchFamily="50" charset="0"/>
+            </a:endParaRPr>
+          </a:p>
+        </p:txBody>
+      </p:sp>
+      <p:pic>
+        <p:nvPicPr>
+          <p:cNvPr id="4" name="Picture 3"/>
+          <p:cNvPicPr>
+            <a:picLocks noChangeAspect="1"/>
+          </p:cNvPicPr>
+          <p:nvPr/>
+        </p:nvPicPr>
+        <p:blipFill>
+          <a:blip r:embed="rId2"/>
+          <a:stretch>
+            <a:fillRect/>
+          </a:stretch>
+        </p:blipFill>
+        <p:spPr>
+          <a:xfrm>
+            <a:off x="3230880" y="1123406"/>
+            <a:ext cx="8512220" cy="5273393"/>
+          </a:xfrm>
+          <a:prstGeom prst="rect">
+            <a:avLst/>
+          </a:prstGeom>
+        </p:spPr>
+      </p:pic>
+    </p:spTree>
+    <p:extLst>
+      <p:ext uri="{BB962C8B-B14F-4D97-AF65-F5344CB8AC3E}">
+        <p14:creationId xmlns:p14="http://schemas.microsoft.com/office/powerpoint/2010/main" val="1701621551"/>
+      </p:ext>
+    </p:extLst>
+  </p:cSld>
+  <p:clrMapOvr>
+    <a:masterClrMapping/>
+  </p:clrMapOvr>
+  <p:timing>
+    <p:tnLst>
+      <p:par>
+        <p:cTn id="1" dur="indefinite" restart="never" nodeType="tmRoot"/>
+      </p:par>
+    </p:tnLst>
+  </p:timing>
+</p:sld>
+</file>
+
+<file path=ppt/slides/slide23.xml><?xml version="1.0" encoding="utf-8"?>
+<p:sld xmlns:a="http://schemas.openxmlformats.org/drawingml/2006/main" xmlns:r="http://schemas.openxmlformats.org/officeDocument/2006/relationships" xmlns:p="http://schemas.openxmlformats.org/presentationml/2006/main">
+  <p:cSld>
+    <p:spTree>
+      <p:nvGrpSpPr>
+        <p:cNvPr id="1" name=""/>
+        <p:cNvGrpSpPr/>
+        <p:nvPr/>
+      </p:nvGrpSpPr>
+      <p:grpSpPr>
+        <a:xfrm>
+          <a:off x="0" y="0"/>
+          <a:ext cx="0" cy="0"/>
+          <a:chOff x="0" y="0"/>
+          <a:chExt cx="0" cy="0"/>
+        </a:xfrm>
+      </p:grpSpPr>
+      <p:sp>
+        <p:nvSpPr>
+          <p:cNvPr id="2" name="Title 1">
+            <a:extLst>
+              <a:ext uri="{FF2B5EF4-FFF2-40B4-BE49-F238E27FC236}">
+                <a16:creationId xmlns:a16="http://schemas.microsoft.com/office/drawing/2014/main" id="{34DB6CE4-2B13-4715-B5B2-615A55922CA1}"/>
+              </a:ext>
+            </a:extLst>
+          </p:cNvPr>
+          <p:cNvSpPr>
+            <a:spLocks noGrp="1"/>
+          </p:cNvSpPr>
+          <p:nvPr>
+            <p:ph type="title"/>
+          </p:nvPr>
+        </p:nvSpPr>
+        <p:spPr>
+          <a:xfrm>
+            <a:off x="594360" y="470263"/>
+            <a:ext cx="9875520" cy="653143"/>
+          </a:xfrm>
+        </p:spPr>
+        <p:txBody>
+          <a:bodyPr>
+            <a:normAutofit fontScale="90000"/>
+          </a:bodyPr>
+          <a:lstStyle/>
+          <a:p>
+            <a:r>
+              <a:rPr lang="en-US" dirty="0">
+                <a:solidFill>
+                  <a:srgbClr val="FF0000"/>
+                </a:solidFill>
+                <a:latin typeface="Rockwell" panose="02060603020205020403" pitchFamily="18" charset="0"/>
+              </a:rPr>
+              <a:t>https://www.jiomart.com/</a:t>
+            </a:r>
+            <a:endParaRPr lang="en-US" sz="4400" dirty="0">
+              <a:solidFill>
+                <a:srgbClr val="FF0000"/>
+              </a:solidFill>
+              <a:latin typeface="Rockwell" panose="02060603020205020403" pitchFamily="18" charset="0"/>
+            </a:endParaRPr>
+          </a:p>
+        </p:txBody>
+      </p:sp>
+      <p:sp>
+        <p:nvSpPr>
+          <p:cNvPr id="5" name="Title 1">
+            <a:extLst>
+              <a:ext uri="{FF2B5EF4-FFF2-40B4-BE49-F238E27FC236}">
+                <a16:creationId xmlns:a16="http://schemas.microsoft.com/office/drawing/2014/main" id="{34DB6CE4-2B13-4715-B5B2-615A55922CA1}"/>
+              </a:ext>
+            </a:extLst>
+          </p:cNvPr>
+          <p:cNvSpPr txBox="1">
+            <a:spLocks/>
+          </p:cNvSpPr>
+          <p:nvPr/>
+        </p:nvSpPr>
+        <p:spPr>
+          <a:xfrm>
+            <a:off x="594360" y="2622403"/>
+            <a:ext cx="2262051" cy="1637211"/>
+          </a:xfrm>
+          <a:prstGeom prst="rect">
+            <a:avLst/>
+          </a:prstGeom>
+        </p:spPr>
+        <p:txBody>
+          <a:bodyPr vert="horz" lIns="91440" tIns="45720" rIns="91440" bIns="45720" rtlCol="0" anchor="ctr">
+            <a:normAutofit fontScale="97500"/>
+          </a:bodyPr>
+          <a:lstStyle>
+            <a:lvl1pPr algn="l" defTabSz="914400" rtl="0" eaLnBrk="1" latinLnBrk="0" hangingPunct="1">
+              <a:lnSpc>
+                <a:spcPct val="90000"/>
+              </a:lnSpc>
+              <a:spcBef>
+                <a:spcPct val="0"/>
+              </a:spcBef>
+              <a:buNone/>
+              <a:defRPr sz="4400" kern="1200">
+                <a:solidFill>
+                  <a:schemeClr val="accent1"/>
+                </a:solidFill>
+                <a:latin typeface="+mj-lt"/>
+                <a:ea typeface="+mj-ea"/>
+                <a:cs typeface="+mj-cs"/>
+              </a:defRPr>
+            </a:lvl1pPr>
+          </a:lstStyle>
+          <a:p>
+            <a:r>
+              <a:rPr lang="en-US" dirty="0" smtClean="0">
+                <a:latin typeface="Anko Personal Use SemBd" pitchFamily="50" charset="0"/>
+              </a:rPr>
+              <a:t>External Links:</a:t>
+            </a:r>
+            <a:endParaRPr lang="en-US" dirty="0">
+              <a:latin typeface="Anko Personal Use SemBd" pitchFamily="50" charset="0"/>
+            </a:endParaRPr>
+          </a:p>
+        </p:txBody>
+      </p:sp>
+      <p:pic>
+        <p:nvPicPr>
+          <p:cNvPr id="3" name="Picture 2"/>
+          <p:cNvPicPr>
+            <a:picLocks noChangeAspect="1"/>
+          </p:cNvPicPr>
+          <p:nvPr/>
+        </p:nvPicPr>
+        <p:blipFill>
+          <a:blip r:embed="rId2"/>
+          <a:stretch>
+            <a:fillRect/>
+          </a:stretch>
+        </p:blipFill>
+        <p:spPr>
+          <a:xfrm>
+            <a:off x="3048001" y="1123406"/>
+            <a:ext cx="8714966" cy="5407285"/>
+          </a:xfrm>
+          <a:prstGeom prst="rect">
+            <a:avLst/>
+          </a:prstGeom>
+        </p:spPr>
+      </p:pic>
+    </p:spTree>
+    <p:extLst>
+      <p:ext uri="{BB962C8B-B14F-4D97-AF65-F5344CB8AC3E}">
+        <p14:creationId xmlns:p14="http://schemas.microsoft.com/office/powerpoint/2010/main" val="3939522552"/>
+      </p:ext>
+    </p:extLst>
+  </p:cSld>
+  <p:clrMapOvr>
+    <a:masterClrMapping/>
+  </p:clrMapOvr>
+  <p:timing>
+    <p:tnLst>
+      <p:par>
+        <p:cTn id="1" dur="indefinite" restart="never" nodeType="tmRoot"/>
+      </p:par>
+    </p:tnLst>
+  </p:timing>
+</p:sld>
+</file>
+
+<file path=ppt/slides/slide24.xml><?xml version="1.0" encoding="utf-8"?>
+<p:sld xmlns:a="http://schemas.openxmlformats.org/drawingml/2006/main" xmlns:r="http://schemas.openxmlformats.org/officeDocument/2006/relationships" xmlns:p="http://schemas.openxmlformats.org/presentationml/2006/main">
+  <p:cSld>
+    <p:spTree>
+      <p:nvGrpSpPr>
+        <p:cNvPr id="1" name=""/>
+        <p:cNvGrpSpPr/>
+        <p:nvPr/>
+      </p:nvGrpSpPr>
+      <p:grpSpPr>
+        <a:xfrm>
+          <a:off x="0" y="0"/>
+          <a:ext cx="0" cy="0"/>
+          <a:chOff x="0" y="0"/>
+          <a:chExt cx="0" cy="0"/>
+        </a:xfrm>
+      </p:grpSpPr>
+      <p:sp>
+        <p:nvSpPr>
+          <p:cNvPr id="2" name="Title 1">
+            <a:extLst>
+              <a:ext uri="{FF2B5EF4-FFF2-40B4-BE49-F238E27FC236}">
+                <a16:creationId xmlns:a16="http://schemas.microsoft.com/office/drawing/2014/main" id="{34DB6CE4-2B13-4715-B5B2-615A55922CA1}"/>
+              </a:ext>
+            </a:extLst>
+          </p:cNvPr>
+          <p:cNvSpPr>
+            <a:spLocks noGrp="1"/>
+          </p:cNvSpPr>
+          <p:nvPr>
+            <p:ph type="title"/>
+          </p:nvPr>
+        </p:nvSpPr>
+        <p:spPr>
+          <a:xfrm>
+            <a:off x="594360" y="470263"/>
+            <a:ext cx="9875520" cy="653143"/>
+          </a:xfrm>
+        </p:spPr>
+        <p:txBody>
+          <a:bodyPr>
+            <a:normAutofit fontScale="90000"/>
+          </a:bodyPr>
+          <a:lstStyle/>
+          <a:p>
+            <a:r>
+              <a:rPr lang="en-US" dirty="0">
+                <a:solidFill>
+                  <a:srgbClr val="FF0000"/>
+                </a:solidFill>
+                <a:latin typeface="Rockwell" panose="02060603020205020403" pitchFamily="18" charset="0"/>
+              </a:rPr>
+              <a:t>https://www.jiomart.com/</a:t>
+            </a:r>
+            <a:endParaRPr lang="en-US" sz="4400" dirty="0">
+              <a:solidFill>
+                <a:srgbClr val="FF0000"/>
+              </a:solidFill>
+              <a:latin typeface="Rockwell" panose="02060603020205020403" pitchFamily="18" charset="0"/>
+            </a:endParaRPr>
+          </a:p>
+        </p:txBody>
+      </p:sp>
+      <p:sp>
+        <p:nvSpPr>
+          <p:cNvPr id="5" name="Title 1">
+            <a:extLst>
+              <a:ext uri="{FF2B5EF4-FFF2-40B4-BE49-F238E27FC236}">
+                <a16:creationId xmlns:a16="http://schemas.microsoft.com/office/drawing/2014/main" id="{34DB6CE4-2B13-4715-B5B2-615A55922CA1}"/>
+              </a:ext>
+            </a:extLst>
+          </p:cNvPr>
+          <p:cNvSpPr txBox="1">
+            <a:spLocks/>
+          </p:cNvSpPr>
+          <p:nvPr/>
+        </p:nvSpPr>
+        <p:spPr>
+          <a:xfrm>
+            <a:off x="594360" y="2622403"/>
+            <a:ext cx="2262051" cy="1637211"/>
+          </a:xfrm>
+          <a:prstGeom prst="rect">
+            <a:avLst/>
+          </a:prstGeom>
+        </p:spPr>
+        <p:txBody>
+          <a:bodyPr vert="horz" lIns="91440" tIns="45720" rIns="91440" bIns="45720" rtlCol="0" anchor="ctr">
+            <a:normAutofit fontScale="90000" lnSpcReduction="10000"/>
+          </a:bodyPr>
+          <a:lstStyle>
+            <a:lvl1pPr algn="l" defTabSz="914400" rtl="0" eaLnBrk="1" latinLnBrk="0" hangingPunct="1">
+              <a:lnSpc>
+                <a:spcPct val="90000"/>
+              </a:lnSpc>
+              <a:spcBef>
+                <a:spcPct val="0"/>
+              </a:spcBef>
+              <a:buNone/>
+              <a:defRPr sz="4400" kern="1200">
+                <a:solidFill>
+                  <a:schemeClr val="accent1"/>
+                </a:solidFill>
+                <a:latin typeface="+mj-lt"/>
+                <a:ea typeface="+mj-ea"/>
+                <a:cs typeface="+mj-cs"/>
+              </a:defRPr>
+            </a:lvl1pPr>
+          </a:lstStyle>
+          <a:p>
+            <a:r>
+              <a:rPr lang="en-US" dirty="0" smtClean="0">
+                <a:latin typeface="Anko Personal Use SemBd" pitchFamily="50" charset="0"/>
+              </a:rPr>
+              <a:t>External Links - HTML:</a:t>
+            </a:r>
+            <a:endParaRPr lang="en-US" dirty="0">
+              <a:latin typeface="Anko Personal Use SemBd" pitchFamily="50" charset="0"/>
+            </a:endParaRPr>
+          </a:p>
+        </p:txBody>
+      </p:sp>
+      <p:pic>
+        <p:nvPicPr>
+          <p:cNvPr id="4" name="Picture 3"/>
+          <p:cNvPicPr>
+            <a:picLocks noChangeAspect="1"/>
+          </p:cNvPicPr>
+          <p:nvPr/>
+        </p:nvPicPr>
+        <p:blipFill>
+          <a:blip r:embed="rId2"/>
+          <a:stretch>
+            <a:fillRect/>
+          </a:stretch>
+        </p:blipFill>
+        <p:spPr>
+          <a:xfrm>
+            <a:off x="3164542" y="1123406"/>
+            <a:ext cx="8581464" cy="5299942"/>
+          </a:xfrm>
+          <a:prstGeom prst="rect">
+            <a:avLst/>
+          </a:prstGeom>
+        </p:spPr>
+      </p:pic>
+    </p:spTree>
+    <p:extLst>
+      <p:ext uri="{BB962C8B-B14F-4D97-AF65-F5344CB8AC3E}">
+        <p14:creationId xmlns:p14="http://schemas.microsoft.com/office/powerpoint/2010/main" val="3448393211"/>
+      </p:ext>
+    </p:extLst>
+  </p:cSld>
+  <p:clrMapOvr>
+    <a:masterClrMapping/>
+  </p:clrMapOvr>
+  <p:timing>
+    <p:tnLst>
+      <p:par>
+        <p:cTn id="1" dur="indefinite" restart="never" nodeType="tmRoot"/>
+      </p:par>
+    </p:tnLst>
+  </p:timing>
+</p:sld>
+</file>
+
+<file path=ppt/slides/slide25.xml><?xml version="1.0" encoding="utf-8"?>
+<p:sld xmlns:a="http://schemas.openxmlformats.org/drawingml/2006/main" xmlns:r="http://schemas.openxmlformats.org/officeDocument/2006/relationships" xmlns:p="http://schemas.openxmlformats.org/presentationml/2006/main">
+  <p:cSld>
+    <p:spTree>
+      <p:nvGrpSpPr>
+        <p:cNvPr id="1" name=""/>
+        <p:cNvGrpSpPr/>
+        <p:nvPr/>
+      </p:nvGrpSpPr>
+      <p:grpSpPr>
+        <a:xfrm>
+          <a:off x="0" y="0"/>
+          <a:ext cx="0" cy="0"/>
+          <a:chOff x="0" y="0"/>
+          <a:chExt cx="0" cy="0"/>
+        </a:xfrm>
+      </p:grpSpPr>
+      <p:sp>
+        <p:nvSpPr>
+          <p:cNvPr id="2" name="Title 1">
+            <a:extLst>
+              <a:ext uri="{FF2B5EF4-FFF2-40B4-BE49-F238E27FC236}">
+                <a16:creationId xmlns:a16="http://schemas.microsoft.com/office/drawing/2014/main" id="{34DB6CE4-2B13-4715-B5B2-615A55922CA1}"/>
+              </a:ext>
+            </a:extLst>
+          </p:cNvPr>
+          <p:cNvSpPr>
+            <a:spLocks noGrp="1"/>
+          </p:cNvSpPr>
+          <p:nvPr>
+            <p:ph type="title"/>
+          </p:nvPr>
+        </p:nvSpPr>
+        <p:spPr>
+          <a:xfrm>
+            <a:off x="594360" y="470263"/>
+            <a:ext cx="9875520" cy="653143"/>
+          </a:xfrm>
+        </p:spPr>
+        <p:txBody>
+          <a:bodyPr>
+            <a:normAutofit fontScale="90000"/>
+          </a:bodyPr>
+          <a:lstStyle/>
+          <a:p>
+            <a:r>
+              <a:rPr lang="en-US" dirty="0">
+                <a:solidFill>
+                  <a:srgbClr val="FF0000"/>
+                </a:solidFill>
+                <a:latin typeface="Rockwell" panose="02060603020205020403" pitchFamily="18" charset="0"/>
+              </a:rPr>
+              <a:t>https://www.jiomart.com/</a:t>
+            </a:r>
+            <a:endParaRPr lang="en-US" sz="4400" dirty="0">
+              <a:solidFill>
+                <a:srgbClr val="FF0000"/>
+              </a:solidFill>
+              <a:latin typeface="Rockwell" panose="02060603020205020403" pitchFamily="18" charset="0"/>
+            </a:endParaRPr>
+          </a:p>
+        </p:txBody>
+      </p:sp>
+      <p:sp>
+        <p:nvSpPr>
+          <p:cNvPr id="5" name="Title 1">
+            <a:extLst>
+              <a:ext uri="{FF2B5EF4-FFF2-40B4-BE49-F238E27FC236}">
+                <a16:creationId xmlns:a16="http://schemas.microsoft.com/office/drawing/2014/main" id="{34DB6CE4-2B13-4715-B5B2-615A55922CA1}"/>
+              </a:ext>
+            </a:extLst>
+          </p:cNvPr>
+          <p:cNvSpPr txBox="1">
+            <a:spLocks/>
+          </p:cNvSpPr>
+          <p:nvPr/>
+        </p:nvSpPr>
+        <p:spPr>
+          <a:xfrm>
+            <a:off x="594360" y="2622403"/>
+            <a:ext cx="2262051" cy="1637211"/>
+          </a:xfrm>
+          <a:prstGeom prst="rect">
+            <a:avLst/>
+          </a:prstGeom>
+        </p:spPr>
+        <p:txBody>
+          <a:bodyPr vert="horz" lIns="91440" tIns="45720" rIns="91440" bIns="45720" rtlCol="0" anchor="ctr">
+            <a:normAutofit fontScale="97500"/>
+          </a:bodyPr>
+          <a:lstStyle>
+            <a:lvl1pPr algn="l" defTabSz="914400" rtl="0" eaLnBrk="1" latinLnBrk="0" hangingPunct="1">
+              <a:lnSpc>
+                <a:spcPct val="90000"/>
+              </a:lnSpc>
+              <a:spcBef>
+                <a:spcPct val="0"/>
+              </a:spcBef>
+              <a:buNone/>
+              <a:defRPr sz="4400" kern="1200">
+                <a:solidFill>
+                  <a:schemeClr val="accent1"/>
+                </a:solidFill>
+                <a:latin typeface="+mj-lt"/>
+                <a:ea typeface="+mj-ea"/>
+                <a:cs typeface="+mj-cs"/>
+              </a:defRPr>
+            </a:lvl1pPr>
+          </a:lstStyle>
+          <a:p>
+            <a:r>
+              <a:rPr lang="en-US" dirty="0" smtClean="0">
+                <a:latin typeface="Anko Personal Use SemBd" pitchFamily="50" charset="0"/>
+              </a:rPr>
+              <a:t>URL:</a:t>
+            </a:r>
+            <a:endParaRPr lang="en-US" dirty="0">
+              <a:latin typeface="Anko Personal Use SemBd" pitchFamily="50" charset="0"/>
+            </a:endParaRPr>
+          </a:p>
+        </p:txBody>
+      </p:sp>
+      <p:pic>
+        <p:nvPicPr>
+          <p:cNvPr id="3" name="Picture 2"/>
+          <p:cNvPicPr>
+            <a:picLocks noChangeAspect="1"/>
+          </p:cNvPicPr>
+          <p:nvPr/>
+        </p:nvPicPr>
+        <p:blipFill>
+          <a:blip r:embed="rId2"/>
+          <a:stretch>
+            <a:fillRect/>
+          </a:stretch>
+        </p:blipFill>
+        <p:spPr>
+          <a:xfrm>
+            <a:off x="2856410" y="1123407"/>
+            <a:ext cx="8926287" cy="5442856"/>
+          </a:xfrm>
+          <a:prstGeom prst="rect">
+            <a:avLst/>
+          </a:prstGeom>
+        </p:spPr>
+      </p:pic>
+    </p:spTree>
+    <p:extLst>
+      <p:ext uri="{BB962C8B-B14F-4D97-AF65-F5344CB8AC3E}">
+        <p14:creationId xmlns:p14="http://schemas.microsoft.com/office/powerpoint/2010/main" val="962776201"/>
+      </p:ext>
+    </p:extLst>
+  </p:cSld>
+  <p:clrMapOvr>
+    <a:masterClrMapping/>
+  </p:clrMapOvr>
+  <p:timing>
+    <p:tnLst>
+      <p:par>
+        <p:cTn id="1" dur="indefinite" restart="never" nodeType="tmRoot"/>
+      </p:par>
+    </p:tnLst>
+  </p:timing>
+</p:sld>
+</file>
+
+<file path=ppt/slides/slide26.xml><?xml version="1.0" encoding="utf-8"?>
+<p:sld xmlns:a="http://schemas.openxmlformats.org/drawingml/2006/main" xmlns:r="http://schemas.openxmlformats.org/officeDocument/2006/relationships" xmlns:p="http://schemas.openxmlformats.org/presentationml/2006/main">
+  <p:cSld>
+    <p:spTree>
+      <p:nvGrpSpPr>
+        <p:cNvPr id="1" name=""/>
+        <p:cNvGrpSpPr/>
+        <p:nvPr/>
+      </p:nvGrpSpPr>
+      <p:grpSpPr>
+        <a:xfrm>
+          <a:off x="0" y="0"/>
+          <a:ext cx="0" cy="0"/>
+          <a:chOff x="0" y="0"/>
+          <a:chExt cx="0" cy="0"/>
+        </a:xfrm>
+      </p:grpSpPr>
+      <p:sp>
+        <p:nvSpPr>
+          <p:cNvPr id="2" name="Title 1">
+            <a:extLst>
+              <a:ext uri="{FF2B5EF4-FFF2-40B4-BE49-F238E27FC236}">
+                <a16:creationId xmlns:a16="http://schemas.microsoft.com/office/drawing/2014/main" id="{34DB6CE4-2B13-4715-B5B2-615A55922CA1}"/>
+              </a:ext>
+            </a:extLst>
+          </p:cNvPr>
+          <p:cNvSpPr>
+            <a:spLocks noGrp="1"/>
+          </p:cNvSpPr>
+          <p:nvPr>
+            <p:ph type="title"/>
+          </p:nvPr>
+        </p:nvSpPr>
+        <p:spPr>
+          <a:xfrm>
+            <a:off x="594360" y="470263"/>
+            <a:ext cx="9875520" cy="653143"/>
+          </a:xfrm>
+        </p:spPr>
+        <p:txBody>
+          <a:bodyPr>
+            <a:normAutofit fontScale="90000"/>
+          </a:bodyPr>
+          <a:lstStyle/>
+          <a:p>
+            <a:r>
+              <a:rPr lang="en-US" dirty="0">
+                <a:solidFill>
+                  <a:srgbClr val="FF0000"/>
+                </a:solidFill>
+                <a:latin typeface="Rockwell" panose="02060603020205020403" pitchFamily="18" charset="0"/>
+              </a:rPr>
+              <a:t>https://www.jiomart.com/</a:t>
+            </a:r>
+            <a:endParaRPr lang="en-US" sz="4400" dirty="0">
+              <a:solidFill>
+                <a:srgbClr val="FF0000"/>
+              </a:solidFill>
+              <a:latin typeface="Rockwell" panose="02060603020205020403" pitchFamily="18" charset="0"/>
+            </a:endParaRPr>
+          </a:p>
+        </p:txBody>
+      </p:sp>
+      <p:sp>
+        <p:nvSpPr>
+          <p:cNvPr id="5" name="Title 1">
+            <a:extLst>
+              <a:ext uri="{FF2B5EF4-FFF2-40B4-BE49-F238E27FC236}">
+                <a16:creationId xmlns:a16="http://schemas.microsoft.com/office/drawing/2014/main" id="{34DB6CE4-2B13-4715-B5B2-615A55922CA1}"/>
+              </a:ext>
+            </a:extLst>
+          </p:cNvPr>
+          <p:cNvSpPr txBox="1">
+            <a:spLocks/>
+          </p:cNvSpPr>
+          <p:nvPr/>
+        </p:nvSpPr>
+        <p:spPr>
+          <a:xfrm>
+            <a:off x="594360" y="1262744"/>
+            <a:ext cx="7800703" cy="487679"/>
+          </a:xfrm>
+          <a:prstGeom prst="rect">
+            <a:avLst/>
+          </a:prstGeom>
+        </p:spPr>
+        <p:txBody>
+          <a:bodyPr vert="horz" lIns="91440" tIns="45720" rIns="91440" bIns="45720" rtlCol="0" anchor="ctr">
+            <a:normAutofit fontScale="82500" lnSpcReduction="20000"/>
+          </a:bodyPr>
+          <a:lstStyle>
+            <a:lvl1pPr algn="l" defTabSz="914400" rtl="0" eaLnBrk="1" latinLnBrk="0" hangingPunct="1">
+              <a:lnSpc>
+                <a:spcPct val="90000"/>
+              </a:lnSpc>
+              <a:spcBef>
+                <a:spcPct val="0"/>
+              </a:spcBef>
+              <a:buNone/>
+              <a:defRPr sz="4400" kern="1200">
+                <a:solidFill>
+                  <a:schemeClr val="accent1"/>
+                </a:solidFill>
+                <a:latin typeface="+mj-lt"/>
+                <a:ea typeface="+mj-ea"/>
+                <a:cs typeface="+mj-cs"/>
+              </a:defRPr>
+            </a:lvl1pPr>
+          </a:lstStyle>
+          <a:p>
+            <a:r>
+              <a:rPr lang="en-US" dirty="0" smtClean="0">
+                <a:latin typeface="Anko Personal Use SemBd" pitchFamily="50" charset="0"/>
+              </a:rPr>
+              <a:t>URL – other options</a:t>
+            </a:r>
+            <a:endParaRPr lang="en-US" dirty="0">
+              <a:latin typeface="Anko Personal Use SemBd" pitchFamily="50" charset="0"/>
+            </a:endParaRPr>
+          </a:p>
+        </p:txBody>
+      </p:sp>
+      <p:sp>
+        <p:nvSpPr>
+          <p:cNvPr id="6" name="Title 1">
+            <a:extLst>
+              <a:ext uri="{FF2B5EF4-FFF2-40B4-BE49-F238E27FC236}">
+                <a16:creationId xmlns:a16="http://schemas.microsoft.com/office/drawing/2014/main" id="{34DB6CE4-2B13-4715-B5B2-615A55922CA1}"/>
+              </a:ext>
+            </a:extLst>
+          </p:cNvPr>
+          <p:cNvSpPr txBox="1">
+            <a:spLocks/>
+          </p:cNvSpPr>
+          <p:nvPr/>
+        </p:nvSpPr>
+        <p:spPr>
+          <a:xfrm>
+            <a:off x="594360" y="1750423"/>
+            <a:ext cx="11266715" cy="4781005"/>
+          </a:xfrm>
+          <a:prstGeom prst="rect">
+            <a:avLst/>
+          </a:prstGeom>
+        </p:spPr>
+        <p:txBody>
+          <a:bodyPr vert="horz" lIns="91440" tIns="45720" rIns="91440" bIns="45720" rtlCol="0" anchor="ctr">
+            <a:normAutofit fontScale="97500" lnSpcReduction="10000"/>
+          </a:bodyPr>
+          <a:lstStyle>
+            <a:lvl1pPr algn="l" defTabSz="914400" rtl="0" eaLnBrk="1" latinLnBrk="0" hangingPunct="1">
+              <a:lnSpc>
+                <a:spcPct val="90000"/>
+              </a:lnSpc>
+              <a:spcBef>
+                <a:spcPct val="0"/>
+              </a:spcBef>
+              <a:buNone/>
+              <a:defRPr sz="4400" kern="1200">
+                <a:solidFill>
+                  <a:schemeClr val="accent1"/>
+                </a:solidFill>
+                <a:latin typeface="+mj-lt"/>
+                <a:ea typeface="+mj-ea"/>
+                <a:cs typeface="+mj-cs"/>
+              </a:defRPr>
+            </a:lvl1pPr>
+          </a:lstStyle>
+          <a:p>
+            <a:pPr marL="571500" indent="-571500">
+              <a:buFont typeface="Arial" panose="020B0604020202020204" pitchFamily="34" charset="0"/>
+              <a:buChar char="•"/>
+            </a:pPr>
+            <a:r>
+              <a:rPr lang="en-US" dirty="0" smtClean="0">
+                <a:solidFill>
+                  <a:srgbClr val="996633"/>
+                </a:solidFill>
+                <a:latin typeface="Bahnschrift SemiBold Condensed" panose="020B0502040204020203" pitchFamily="34" charset="0"/>
+              </a:rPr>
+              <a:t>URL </a:t>
+            </a:r>
+            <a:r>
+              <a:rPr lang="en-US" dirty="0" smtClean="0">
+                <a:solidFill>
+                  <a:srgbClr val="996633"/>
+                </a:solidFill>
+                <a:latin typeface="Bahnschrift SemiBold Condensed" panose="020B0502040204020203" pitchFamily="34" charset="0"/>
+              </a:rPr>
+              <a:t>Uppercase – no </a:t>
+            </a:r>
+            <a:r>
+              <a:rPr lang="en-US" dirty="0" smtClean="0">
+                <a:solidFill>
+                  <a:srgbClr val="996633"/>
+                </a:solidFill>
+                <a:latin typeface="Bahnschrift SemiBold Condensed" panose="020B0502040204020203" pitchFamily="34" charset="0"/>
+              </a:rPr>
+              <a:t>data</a:t>
+            </a:r>
+          </a:p>
+          <a:p>
+            <a:pPr marL="571500" indent="-571500">
+              <a:buFont typeface="Arial" panose="020B0604020202020204" pitchFamily="34" charset="0"/>
+              <a:buChar char="•"/>
+            </a:pPr>
+            <a:r>
+              <a:rPr lang="en-US" dirty="0" smtClean="0">
+                <a:solidFill>
+                  <a:srgbClr val="996633"/>
+                </a:solidFill>
+                <a:latin typeface="Bahnschrift SemiBold Condensed" panose="020B0502040204020203" pitchFamily="34" charset="0"/>
+              </a:rPr>
+              <a:t>URL NON ASCII Characters – no data</a:t>
+            </a:r>
+          </a:p>
+          <a:p>
+            <a:pPr marL="571500" indent="-571500">
+              <a:buFont typeface="Arial" panose="020B0604020202020204" pitchFamily="34" charset="0"/>
+              <a:buChar char="•"/>
+            </a:pPr>
+            <a:r>
+              <a:rPr lang="en-US" dirty="0" smtClean="0">
+                <a:solidFill>
+                  <a:srgbClr val="996633"/>
+                </a:solidFill>
+                <a:latin typeface="Bahnschrift SemiBold Condensed" panose="020B0502040204020203" pitchFamily="34" charset="0"/>
+              </a:rPr>
+              <a:t>URL Underscore – no data</a:t>
+            </a:r>
+            <a:endParaRPr lang="en-US" dirty="0" smtClean="0">
+              <a:solidFill>
+                <a:srgbClr val="996633"/>
+              </a:solidFill>
+              <a:latin typeface="Bahnschrift SemiBold Condensed" panose="020B0502040204020203" pitchFamily="34" charset="0"/>
+            </a:endParaRPr>
+          </a:p>
+          <a:p>
+            <a:pPr marL="571500" indent="-571500">
+              <a:buFont typeface="Arial" panose="020B0604020202020204" pitchFamily="34" charset="0"/>
+              <a:buChar char="•"/>
+            </a:pPr>
+            <a:r>
+              <a:rPr lang="en-US" dirty="0" smtClean="0">
+                <a:solidFill>
+                  <a:srgbClr val="996633"/>
+                </a:solidFill>
+                <a:latin typeface="Bahnschrift SemiBold Condensed" panose="020B0502040204020203" pitchFamily="34" charset="0"/>
+              </a:rPr>
+              <a:t>URL Multiple Slashes – no data</a:t>
+            </a:r>
+          </a:p>
+          <a:p>
+            <a:pPr marL="571500" indent="-571500">
+              <a:buFont typeface="Arial" panose="020B0604020202020204" pitchFamily="34" charset="0"/>
+              <a:buChar char="•"/>
+            </a:pPr>
+            <a:r>
+              <a:rPr lang="en-US" dirty="0" smtClean="0">
+                <a:solidFill>
+                  <a:srgbClr val="996633"/>
+                </a:solidFill>
+                <a:latin typeface="Bahnschrift SemiBold Condensed" panose="020B0502040204020203" pitchFamily="34" charset="0"/>
+              </a:rPr>
+              <a:t>URL Repetitive Path – no data</a:t>
+            </a:r>
+          </a:p>
+          <a:p>
+            <a:pPr marL="571500" indent="-571500">
+              <a:buFont typeface="Arial" panose="020B0604020202020204" pitchFamily="34" charset="0"/>
+              <a:buChar char="•"/>
+            </a:pPr>
+            <a:r>
+              <a:rPr lang="en-US" dirty="0" smtClean="0">
+                <a:solidFill>
+                  <a:srgbClr val="996633"/>
+                </a:solidFill>
+                <a:latin typeface="Bahnschrift SemiBold Condensed" panose="020B0502040204020203" pitchFamily="34" charset="0"/>
+              </a:rPr>
+              <a:t>URL Contains space – no data</a:t>
+            </a:r>
+          </a:p>
+          <a:p>
+            <a:pPr marL="571500" indent="-571500">
+              <a:buFont typeface="Arial" panose="020B0604020202020204" pitchFamily="34" charset="0"/>
+              <a:buChar char="•"/>
+            </a:pPr>
+            <a:r>
+              <a:rPr lang="en-US" dirty="0" smtClean="0">
+                <a:solidFill>
+                  <a:srgbClr val="996633"/>
+                </a:solidFill>
+                <a:latin typeface="Bahnschrift SemiBold Condensed" panose="020B0502040204020203" pitchFamily="34" charset="0"/>
+              </a:rPr>
+              <a:t>URL Parameters – no data </a:t>
+            </a:r>
+          </a:p>
+          <a:p>
+            <a:pPr marL="571500" indent="-571500">
+              <a:buFont typeface="Arial" panose="020B0604020202020204" pitchFamily="34" charset="0"/>
+              <a:buChar char="•"/>
+            </a:pPr>
+            <a:r>
+              <a:rPr lang="en-US" dirty="0" smtClean="0">
+                <a:solidFill>
+                  <a:srgbClr val="996633"/>
+                </a:solidFill>
+                <a:latin typeface="Bahnschrift SemiBold Condensed" panose="020B0502040204020203" pitchFamily="34" charset="0"/>
+              </a:rPr>
+              <a:t>URL Over 115 characters – no data</a:t>
+            </a:r>
+          </a:p>
+        </p:txBody>
+      </p:sp>
+    </p:spTree>
+    <p:extLst>
+      <p:ext uri="{BB962C8B-B14F-4D97-AF65-F5344CB8AC3E}">
+        <p14:creationId xmlns:p14="http://schemas.microsoft.com/office/powerpoint/2010/main" val="771520264"/>
+      </p:ext>
+    </p:extLst>
+  </p:cSld>
+  <p:clrMapOvr>
+    <a:masterClrMapping/>
+  </p:clrMapOvr>
+  <p:timing>
+    <p:tnLst>
+      <p:par>
+        <p:cTn id="1" dur="indefinite" restart="never" nodeType="tmRoot"/>
+      </p:par>
+    </p:tnLst>
+  </p:timing>
+</p:sld>
+</file>
+
+<file path=ppt/slides/slide27.xml><?xml version="1.0" encoding="utf-8"?>
+<p:sld xmlns:a="http://schemas.openxmlformats.org/drawingml/2006/main" xmlns:r="http://schemas.openxmlformats.org/officeDocument/2006/relationships" xmlns:p="http://schemas.openxmlformats.org/presentationml/2006/main">
+  <p:cSld>
+    <p:spTree>
+      <p:nvGrpSpPr>
+        <p:cNvPr id="1" name=""/>
+        <p:cNvGrpSpPr/>
+        <p:nvPr/>
+      </p:nvGrpSpPr>
+      <p:grpSpPr>
+        <a:xfrm>
+          <a:off x="0" y="0"/>
+          <a:ext cx="0" cy="0"/>
+          <a:chOff x="0" y="0"/>
+          <a:chExt cx="0" cy="0"/>
+        </a:xfrm>
+      </p:grpSpPr>
+      <p:sp>
+        <p:nvSpPr>
+          <p:cNvPr id="2" name="Title 1">
+            <a:extLst>
+              <a:ext uri="{FF2B5EF4-FFF2-40B4-BE49-F238E27FC236}">
+                <a16:creationId xmlns:a16="http://schemas.microsoft.com/office/drawing/2014/main" id="{34DB6CE4-2B13-4715-B5B2-615A55922CA1}"/>
+              </a:ext>
+            </a:extLst>
+          </p:cNvPr>
+          <p:cNvSpPr>
+            <a:spLocks noGrp="1"/>
+          </p:cNvSpPr>
+          <p:nvPr>
+            <p:ph type="title"/>
+          </p:nvPr>
+        </p:nvSpPr>
+        <p:spPr>
+          <a:xfrm>
+            <a:off x="594360" y="470263"/>
+            <a:ext cx="9875520" cy="653143"/>
+          </a:xfrm>
+        </p:spPr>
+        <p:txBody>
+          <a:bodyPr>
+            <a:normAutofit fontScale="90000"/>
+          </a:bodyPr>
+          <a:lstStyle/>
+          <a:p>
+            <a:r>
+              <a:rPr lang="en-US" dirty="0">
+                <a:solidFill>
+                  <a:srgbClr val="FF0000"/>
+                </a:solidFill>
+                <a:latin typeface="Rockwell" panose="02060603020205020403" pitchFamily="18" charset="0"/>
+              </a:rPr>
+              <a:t>https://www.jiomart.com/</a:t>
+            </a:r>
+            <a:endParaRPr lang="en-US" sz="4400" dirty="0">
+              <a:solidFill>
+                <a:srgbClr val="FF0000"/>
+              </a:solidFill>
+              <a:latin typeface="Rockwell" panose="02060603020205020403" pitchFamily="18" charset="0"/>
+            </a:endParaRPr>
+          </a:p>
+        </p:txBody>
+      </p:sp>
+      <p:sp>
+        <p:nvSpPr>
+          <p:cNvPr id="5" name="Title 1">
+            <a:extLst>
+              <a:ext uri="{FF2B5EF4-FFF2-40B4-BE49-F238E27FC236}">
+                <a16:creationId xmlns:a16="http://schemas.microsoft.com/office/drawing/2014/main" id="{34DB6CE4-2B13-4715-B5B2-615A55922CA1}"/>
+              </a:ext>
+            </a:extLst>
+          </p:cNvPr>
+          <p:cNvSpPr txBox="1">
+            <a:spLocks/>
+          </p:cNvSpPr>
+          <p:nvPr/>
+        </p:nvSpPr>
+        <p:spPr>
+          <a:xfrm>
+            <a:off x="594360" y="2622403"/>
+            <a:ext cx="2262051" cy="1637211"/>
+          </a:xfrm>
+          <a:prstGeom prst="rect">
+            <a:avLst/>
+          </a:prstGeom>
+        </p:spPr>
+        <p:txBody>
+          <a:bodyPr vert="horz" lIns="91440" tIns="45720" rIns="91440" bIns="45720" rtlCol="0" anchor="ctr">
+            <a:normAutofit fontScale="97500"/>
+          </a:bodyPr>
+          <a:lstStyle>
+            <a:lvl1pPr algn="l" defTabSz="914400" rtl="0" eaLnBrk="1" latinLnBrk="0" hangingPunct="1">
+              <a:lnSpc>
+                <a:spcPct val="90000"/>
+              </a:lnSpc>
+              <a:spcBef>
+                <a:spcPct val="0"/>
+              </a:spcBef>
+              <a:buNone/>
+              <a:defRPr sz="4400" kern="1200">
+                <a:solidFill>
+                  <a:schemeClr val="accent1"/>
+                </a:solidFill>
+                <a:latin typeface="+mj-lt"/>
+                <a:ea typeface="+mj-ea"/>
+                <a:cs typeface="+mj-cs"/>
+              </a:defRPr>
+            </a:lvl1pPr>
+          </a:lstStyle>
+          <a:p>
+            <a:r>
+              <a:rPr lang="en-US" dirty="0" smtClean="0">
+                <a:latin typeface="Anko Personal Use SemBd" pitchFamily="50" charset="0"/>
+              </a:rPr>
+              <a:t>Page Titles:</a:t>
+            </a:r>
+            <a:endParaRPr lang="en-US" dirty="0">
+              <a:latin typeface="Anko Personal Use SemBd" pitchFamily="50" charset="0"/>
+            </a:endParaRPr>
+          </a:p>
+        </p:txBody>
+      </p:sp>
+      <p:pic>
+        <p:nvPicPr>
+          <p:cNvPr id="4" name="Picture 3"/>
+          <p:cNvPicPr>
+            <a:picLocks noChangeAspect="1"/>
+          </p:cNvPicPr>
+          <p:nvPr/>
+        </p:nvPicPr>
+        <p:blipFill>
+          <a:blip r:embed="rId2"/>
+          <a:stretch>
+            <a:fillRect/>
+          </a:stretch>
+        </p:blipFill>
+        <p:spPr>
+          <a:xfrm>
+            <a:off x="3004457" y="1123406"/>
+            <a:ext cx="8886008" cy="5494603"/>
+          </a:xfrm>
+          <a:prstGeom prst="rect">
+            <a:avLst/>
+          </a:prstGeom>
+        </p:spPr>
+      </p:pic>
+    </p:spTree>
+    <p:extLst>
+      <p:ext uri="{BB962C8B-B14F-4D97-AF65-F5344CB8AC3E}">
+        <p14:creationId xmlns:p14="http://schemas.microsoft.com/office/powerpoint/2010/main" val="3313568311"/>
+      </p:ext>
+    </p:extLst>
+  </p:cSld>
+  <p:clrMapOvr>
+    <a:masterClrMapping/>
+  </p:clrMapOvr>
+  <p:timing>
+    <p:tnLst>
+      <p:par>
+        <p:cTn id="1" dur="indefinite" restart="never" nodeType="tmRoot"/>
+      </p:par>
+    </p:tnLst>
+  </p:timing>
+</p:sld>
+</file>
+
+<file path=ppt/slides/slide28.xml><?xml version="1.0" encoding="utf-8"?>
+<p:sld xmlns:a="http://schemas.openxmlformats.org/drawingml/2006/main" xmlns:r="http://schemas.openxmlformats.org/officeDocument/2006/relationships" xmlns:p="http://schemas.openxmlformats.org/presentationml/2006/main">
+  <p:cSld>
+    <p:spTree>
+      <p:nvGrpSpPr>
+        <p:cNvPr id="1" name=""/>
+        <p:cNvGrpSpPr/>
+        <p:nvPr/>
+      </p:nvGrpSpPr>
+      <p:grpSpPr>
+        <a:xfrm>
+          <a:off x="0" y="0"/>
+          <a:ext cx="0" cy="0"/>
+          <a:chOff x="0" y="0"/>
+          <a:chExt cx="0" cy="0"/>
+        </a:xfrm>
+      </p:grpSpPr>
+      <p:sp>
+        <p:nvSpPr>
+          <p:cNvPr id="2" name="Title 1">
+            <a:extLst>
+              <a:ext uri="{FF2B5EF4-FFF2-40B4-BE49-F238E27FC236}">
+                <a16:creationId xmlns:a16="http://schemas.microsoft.com/office/drawing/2014/main" id="{34DB6CE4-2B13-4715-B5B2-615A55922CA1}"/>
+              </a:ext>
+            </a:extLst>
+          </p:cNvPr>
+          <p:cNvSpPr>
+            <a:spLocks noGrp="1"/>
+          </p:cNvSpPr>
+          <p:nvPr>
+            <p:ph type="title"/>
+          </p:nvPr>
+        </p:nvSpPr>
+        <p:spPr>
+          <a:xfrm>
+            <a:off x="594360" y="470263"/>
+            <a:ext cx="9875520" cy="653143"/>
+          </a:xfrm>
+        </p:spPr>
+        <p:txBody>
+          <a:bodyPr>
+            <a:normAutofit fontScale="90000"/>
+          </a:bodyPr>
+          <a:lstStyle/>
+          <a:p>
+            <a:r>
+              <a:rPr lang="en-US" dirty="0">
+                <a:solidFill>
+                  <a:srgbClr val="FF0000"/>
+                </a:solidFill>
+                <a:latin typeface="Rockwell" panose="02060603020205020403" pitchFamily="18" charset="0"/>
+              </a:rPr>
+              <a:t>https://www.jiomart.com/</a:t>
+            </a:r>
+            <a:endParaRPr lang="en-US" sz="4400" dirty="0">
+              <a:solidFill>
+                <a:srgbClr val="FF0000"/>
+              </a:solidFill>
+              <a:latin typeface="Rockwell" panose="02060603020205020403" pitchFamily="18" charset="0"/>
+            </a:endParaRPr>
+          </a:p>
+        </p:txBody>
+      </p:sp>
+      <p:sp>
+        <p:nvSpPr>
+          <p:cNvPr id="5" name="Title 1">
+            <a:extLst>
+              <a:ext uri="{FF2B5EF4-FFF2-40B4-BE49-F238E27FC236}">
+                <a16:creationId xmlns:a16="http://schemas.microsoft.com/office/drawing/2014/main" id="{34DB6CE4-2B13-4715-B5B2-615A55922CA1}"/>
+              </a:ext>
+            </a:extLst>
+          </p:cNvPr>
+          <p:cNvSpPr txBox="1">
+            <a:spLocks/>
+          </p:cNvSpPr>
+          <p:nvPr/>
+        </p:nvSpPr>
+        <p:spPr>
+          <a:xfrm>
+            <a:off x="594360" y="3083958"/>
+            <a:ext cx="2697480" cy="1322580"/>
+          </a:xfrm>
+          <a:prstGeom prst="rect">
+            <a:avLst/>
+          </a:prstGeom>
+        </p:spPr>
+        <p:txBody>
+          <a:bodyPr vert="horz" lIns="91440" tIns="45720" rIns="91440" bIns="45720" rtlCol="0" anchor="ctr">
+            <a:normAutofit fontScale="90000"/>
+          </a:bodyPr>
+          <a:lstStyle>
+            <a:lvl1pPr algn="l" defTabSz="914400" rtl="0" eaLnBrk="1" latinLnBrk="0" hangingPunct="1">
+              <a:lnSpc>
+                <a:spcPct val="90000"/>
+              </a:lnSpc>
+              <a:spcBef>
+                <a:spcPct val="0"/>
+              </a:spcBef>
+              <a:buNone/>
+              <a:defRPr sz="4400" kern="1200">
+                <a:solidFill>
+                  <a:schemeClr val="accent1"/>
+                </a:solidFill>
+                <a:latin typeface="+mj-lt"/>
+                <a:ea typeface="+mj-ea"/>
+                <a:cs typeface="+mj-cs"/>
+              </a:defRPr>
+            </a:lvl1pPr>
+          </a:lstStyle>
+          <a:p>
+            <a:r>
+              <a:rPr lang="en-US" sz="4000" dirty="0" smtClean="0">
+                <a:latin typeface="Anko Personal Use SemBd" pitchFamily="50" charset="0"/>
+              </a:rPr>
+              <a:t>Page Titles - </a:t>
+            </a:r>
+            <a:r>
+              <a:rPr lang="en-US" sz="4000" dirty="0" smtClean="0">
+                <a:latin typeface="Anko Personal Use SemBd" pitchFamily="50" charset="0"/>
+              </a:rPr>
+              <a:t>Duplicate</a:t>
+            </a:r>
+            <a:r>
+              <a:rPr lang="en-US" sz="4000" dirty="0" smtClean="0">
+                <a:latin typeface="Anko Personal Use SemBd" pitchFamily="50" charset="0"/>
+              </a:rPr>
+              <a:t>:</a:t>
+            </a:r>
+            <a:endParaRPr lang="en-US" sz="4000" dirty="0">
+              <a:latin typeface="Anko Personal Use SemBd" pitchFamily="50" charset="0"/>
+            </a:endParaRPr>
+          </a:p>
+        </p:txBody>
+      </p:sp>
+      <p:pic>
+        <p:nvPicPr>
+          <p:cNvPr id="3" name="Picture 2"/>
+          <p:cNvPicPr>
+            <a:picLocks noChangeAspect="1"/>
+          </p:cNvPicPr>
+          <p:nvPr/>
+        </p:nvPicPr>
+        <p:blipFill>
+          <a:blip r:embed="rId2"/>
+          <a:stretch>
+            <a:fillRect/>
+          </a:stretch>
+        </p:blipFill>
+        <p:spPr>
+          <a:xfrm>
+            <a:off x="3426312" y="1127850"/>
+            <a:ext cx="8398136" cy="5234796"/>
+          </a:xfrm>
+          <a:prstGeom prst="rect">
+            <a:avLst/>
+          </a:prstGeom>
+        </p:spPr>
+      </p:pic>
+    </p:spTree>
+    <p:extLst>
+      <p:ext uri="{BB962C8B-B14F-4D97-AF65-F5344CB8AC3E}">
+        <p14:creationId xmlns:p14="http://schemas.microsoft.com/office/powerpoint/2010/main" val="3083797216"/>
+      </p:ext>
+    </p:extLst>
+  </p:cSld>
+  <p:clrMapOvr>
+    <a:masterClrMapping/>
+  </p:clrMapOvr>
+  <p:timing>
+    <p:tnLst>
+      <p:par>
+        <p:cTn id="1" dur="indefinite" restart="never" nodeType="tmRoot"/>
+      </p:par>
+    </p:tnLst>
+  </p:timing>
+</p:sld>
+</file>
+
+<file path=ppt/slides/slide29.xml><?xml version="1.0" encoding="utf-8"?>
+<p:sld xmlns:a="http://schemas.openxmlformats.org/drawingml/2006/main" xmlns:r="http://schemas.openxmlformats.org/officeDocument/2006/relationships" xmlns:p="http://schemas.openxmlformats.org/presentationml/2006/main">
+  <p:cSld>
+    <p:spTree>
+      <p:nvGrpSpPr>
+        <p:cNvPr id="1" name=""/>
+        <p:cNvGrpSpPr/>
+        <p:nvPr/>
+      </p:nvGrpSpPr>
+      <p:grpSpPr>
+        <a:xfrm>
+          <a:off x="0" y="0"/>
+          <a:ext cx="0" cy="0"/>
+          <a:chOff x="0" y="0"/>
+          <a:chExt cx="0" cy="0"/>
+        </a:xfrm>
+      </p:grpSpPr>
+      <p:sp>
+        <p:nvSpPr>
+          <p:cNvPr id="2" name="Title 1">
+            <a:extLst>
+              <a:ext uri="{FF2B5EF4-FFF2-40B4-BE49-F238E27FC236}">
+                <a16:creationId xmlns:a16="http://schemas.microsoft.com/office/drawing/2014/main" id="{34DB6CE4-2B13-4715-B5B2-615A55922CA1}"/>
+              </a:ext>
+            </a:extLst>
+          </p:cNvPr>
+          <p:cNvSpPr>
+            <a:spLocks noGrp="1"/>
+          </p:cNvSpPr>
+          <p:nvPr>
+            <p:ph type="title"/>
+          </p:nvPr>
+        </p:nvSpPr>
+        <p:spPr>
+          <a:xfrm>
+            <a:off x="594360" y="470263"/>
+            <a:ext cx="9875520" cy="653143"/>
+          </a:xfrm>
+        </p:spPr>
+        <p:txBody>
+          <a:bodyPr>
+            <a:normAutofit fontScale="90000"/>
+          </a:bodyPr>
+          <a:lstStyle/>
+          <a:p>
+            <a:r>
+              <a:rPr lang="en-US" dirty="0">
+                <a:solidFill>
+                  <a:srgbClr val="FF0000"/>
+                </a:solidFill>
+                <a:latin typeface="Rockwell" panose="02060603020205020403" pitchFamily="18" charset="0"/>
+              </a:rPr>
+              <a:t>https://www.jiomart.com/</a:t>
+            </a:r>
+            <a:endParaRPr lang="en-US" sz="4400" dirty="0">
+              <a:solidFill>
+                <a:srgbClr val="FF0000"/>
+              </a:solidFill>
+              <a:latin typeface="Rockwell" panose="02060603020205020403" pitchFamily="18" charset="0"/>
+            </a:endParaRPr>
+          </a:p>
+        </p:txBody>
+      </p:sp>
+      <p:sp>
+        <p:nvSpPr>
+          <p:cNvPr id="5" name="Title 1">
+            <a:extLst>
+              <a:ext uri="{FF2B5EF4-FFF2-40B4-BE49-F238E27FC236}">
+                <a16:creationId xmlns:a16="http://schemas.microsoft.com/office/drawing/2014/main" id="{34DB6CE4-2B13-4715-B5B2-615A55922CA1}"/>
+              </a:ext>
+            </a:extLst>
+          </p:cNvPr>
+          <p:cNvSpPr txBox="1">
+            <a:spLocks/>
+          </p:cNvSpPr>
+          <p:nvPr/>
+        </p:nvSpPr>
+        <p:spPr>
+          <a:xfrm>
+            <a:off x="594360" y="3083958"/>
+            <a:ext cx="2697480" cy="1322580"/>
+          </a:xfrm>
+          <a:prstGeom prst="rect">
+            <a:avLst/>
+          </a:prstGeom>
+        </p:spPr>
+        <p:txBody>
+          <a:bodyPr vert="horz" lIns="91440" tIns="45720" rIns="91440" bIns="45720" rtlCol="0" anchor="ctr">
+            <a:normAutofit fontScale="90000" lnSpcReduction="20000"/>
+          </a:bodyPr>
+          <a:lstStyle>
+            <a:lvl1pPr algn="l" defTabSz="914400" rtl="0" eaLnBrk="1" latinLnBrk="0" hangingPunct="1">
+              <a:lnSpc>
+                <a:spcPct val="90000"/>
+              </a:lnSpc>
+              <a:spcBef>
+                <a:spcPct val="0"/>
+              </a:spcBef>
+              <a:buNone/>
+              <a:defRPr sz="4400" kern="1200">
+                <a:solidFill>
+                  <a:schemeClr val="accent1"/>
+                </a:solidFill>
+                <a:latin typeface="+mj-lt"/>
+                <a:ea typeface="+mj-ea"/>
+                <a:cs typeface="+mj-cs"/>
+              </a:defRPr>
+            </a:lvl1pPr>
+          </a:lstStyle>
+          <a:p>
+            <a:r>
+              <a:rPr lang="en-US" sz="4000" dirty="0" smtClean="0">
+                <a:latin typeface="Anko Personal Use SemBd" pitchFamily="50" charset="0"/>
+              </a:rPr>
+              <a:t>Page Titles– </a:t>
+            </a:r>
+            <a:r>
+              <a:rPr lang="en-US" sz="4000" dirty="0" smtClean="0">
+                <a:latin typeface="Anko Personal Use SemBd" pitchFamily="50" charset="0"/>
+              </a:rPr>
+              <a:t>Over 60 Characters</a:t>
+            </a:r>
+            <a:r>
+              <a:rPr lang="en-US" sz="4000" dirty="0" smtClean="0">
+                <a:latin typeface="Anko Personal Use SemBd" pitchFamily="50" charset="0"/>
+              </a:rPr>
+              <a:t>:</a:t>
+            </a:r>
+            <a:endParaRPr lang="en-US" sz="4000" dirty="0">
+              <a:latin typeface="Anko Personal Use SemBd" pitchFamily="50" charset="0"/>
+            </a:endParaRPr>
+          </a:p>
+        </p:txBody>
+      </p:sp>
+      <p:pic>
+        <p:nvPicPr>
+          <p:cNvPr id="4" name="Picture 3"/>
+          <p:cNvPicPr>
+            <a:picLocks noChangeAspect="1"/>
+          </p:cNvPicPr>
+          <p:nvPr/>
+        </p:nvPicPr>
+        <p:blipFill>
+          <a:blip r:embed="rId2"/>
+          <a:stretch>
+            <a:fillRect/>
+          </a:stretch>
+        </p:blipFill>
+        <p:spPr>
+          <a:xfrm>
+            <a:off x="3378926" y="1123406"/>
+            <a:ext cx="8422821" cy="5236146"/>
+          </a:xfrm>
+          <a:prstGeom prst="rect">
+            <a:avLst/>
+          </a:prstGeom>
+        </p:spPr>
+      </p:pic>
+    </p:spTree>
+    <p:extLst>
+      <p:ext uri="{BB962C8B-B14F-4D97-AF65-F5344CB8AC3E}">
+        <p14:creationId xmlns:p14="http://schemas.microsoft.com/office/powerpoint/2010/main" val="231634157"/>
+      </p:ext>
+    </p:extLst>
+  </p:cSld>
+  <p:clrMapOvr>
+    <a:masterClrMapping/>
+  </p:clrMapOvr>
+  <p:timing>
+    <p:tnLst>
+      <p:par>
+        <p:cTn id="1" dur="indefinite" restart="never" nodeType="tmRoot"/>
+      </p:par>
+    </p:tnLst>
+  </p:timing>
+</p:sld>
+</file>
+
 <file path=ppt/slides/slide3.xml><?xml version="1.0" encoding="utf-8"?>
 <p:sld xmlns:a="http://schemas.openxmlformats.org/drawingml/2006/main" xmlns:r="http://schemas.openxmlformats.org/officeDocument/2006/relationships" xmlns:p="http://schemas.openxmlformats.org/presentationml/2006/main">
   <p:cSld>
@@ -6335,6 +8282,229 @@
     <p:extLst>
       <p:ext uri="{BB962C8B-B14F-4D97-AF65-F5344CB8AC3E}">
         <p14:creationId xmlns:p14="http://schemas.microsoft.com/office/powerpoint/2010/main" val="3908890350"/>
+      </p:ext>
+    </p:extLst>
+  </p:cSld>
+  <p:clrMapOvr>
+    <a:masterClrMapping/>
+  </p:clrMapOvr>
+  <p:timing>
+    <p:tnLst>
+      <p:par>
+        <p:cTn id="1" dur="indefinite" restart="never" nodeType="tmRoot"/>
+      </p:par>
+    </p:tnLst>
+  </p:timing>
+</p:sld>
+</file>
+
+<file path=ppt/slides/slide30.xml><?xml version="1.0" encoding="utf-8"?>
+<p:sld xmlns:a="http://schemas.openxmlformats.org/drawingml/2006/main" xmlns:r="http://schemas.openxmlformats.org/officeDocument/2006/relationships" xmlns:p="http://schemas.openxmlformats.org/presentationml/2006/main">
+  <p:cSld>
+    <p:spTree>
+      <p:nvGrpSpPr>
+        <p:cNvPr id="1" name=""/>
+        <p:cNvGrpSpPr/>
+        <p:nvPr/>
+      </p:nvGrpSpPr>
+      <p:grpSpPr>
+        <a:xfrm>
+          <a:off x="0" y="0"/>
+          <a:ext cx="0" cy="0"/>
+          <a:chOff x="0" y="0"/>
+          <a:chExt cx="0" cy="0"/>
+        </a:xfrm>
+      </p:grpSpPr>
+      <p:sp>
+        <p:nvSpPr>
+          <p:cNvPr id="2" name="Title 1">
+            <a:extLst>
+              <a:ext uri="{FF2B5EF4-FFF2-40B4-BE49-F238E27FC236}">
+                <a16:creationId xmlns:a16="http://schemas.microsoft.com/office/drawing/2014/main" id="{34DB6CE4-2B13-4715-B5B2-615A55922CA1}"/>
+              </a:ext>
+            </a:extLst>
+          </p:cNvPr>
+          <p:cNvSpPr>
+            <a:spLocks noGrp="1"/>
+          </p:cNvSpPr>
+          <p:nvPr>
+            <p:ph type="title"/>
+          </p:nvPr>
+        </p:nvSpPr>
+        <p:spPr>
+          <a:xfrm>
+            <a:off x="594360" y="470263"/>
+            <a:ext cx="9875520" cy="653143"/>
+          </a:xfrm>
+        </p:spPr>
+        <p:txBody>
+          <a:bodyPr>
+            <a:normAutofit fontScale="90000"/>
+          </a:bodyPr>
+          <a:lstStyle/>
+          <a:p>
+            <a:r>
+              <a:rPr lang="en-US" dirty="0">
+                <a:solidFill>
+                  <a:srgbClr val="FF0000"/>
+                </a:solidFill>
+                <a:latin typeface="Rockwell" panose="02060603020205020403" pitchFamily="18" charset="0"/>
+              </a:rPr>
+              <a:t>https://www.jiomart.com/</a:t>
+            </a:r>
+            <a:endParaRPr lang="en-US" sz="4400" dirty="0">
+              <a:solidFill>
+                <a:srgbClr val="FF0000"/>
+              </a:solidFill>
+              <a:latin typeface="Rockwell" panose="02060603020205020403" pitchFamily="18" charset="0"/>
+            </a:endParaRPr>
+          </a:p>
+        </p:txBody>
+      </p:sp>
+      <p:sp>
+        <p:nvSpPr>
+          <p:cNvPr id="5" name="Title 1">
+            <a:extLst>
+              <a:ext uri="{FF2B5EF4-FFF2-40B4-BE49-F238E27FC236}">
+                <a16:creationId xmlns:a16="http://schemas.microsoft.com/office/drawing/2014/main" id="{34DB6CE4-2B13-4715-B5B2-615A55922CA1}"/>
+              </a:ext>
+            </a:extLst>
+          </p:cNvPr>
+          <p:cNvSpPr txBox="1">
+            <a:spLocks/>
+          </p:cNvSpPr>
+          <p:nvPr/>
+        </p:nvSpPr>
+        <p:spPr>
+          <a:xfrm>
+            <a:off x="594360" y="1262744"/>
+            <a:ext cx="7800703" cy="487679"/>
+          </a:xfrm>
+          <a:prstGeom prst="rect">
+            <a:avLst/>
+          </a:prstGeom>
+        </p:spPr>
+        <p:txBody>
+          <a:bodyPr vert="horz" lIns="91440" tIns="45720" rIns="91440" bIns="45720" rtlCol="0" anchor="ctr">
+            <a:normAutofit fontScale="75000" lnSpcReduction="20000"/>
+          </a:bodyPr>
+          <a:lstStyle>
+            <a:lvl1pPr algn="l" defTabSz="914400" rtl="0" eaLnBrk="1" latinLnBrk="0" hangingPunct="1">
+              <a:lnSpc>
+                <a:spcPct val="90000"/>
+              </a:lnSpc>
+              <a:spcBef>
+                <a:spcPct val="0"/>
+              </a:spcBef>
+              <a:buNone/>
+              <a:defRPr sz="4400" kern="1200">
+                <a:solidFill>
+                  <a:schemeClr val="accent1"/>
+                </a:solidFill>
+                <a:latin typeface="+mj-lt"/>
+                <a:ea typeface="+mj-ea"/>
+                <a:cs typeface="+mj-cs"/>
+              </a:defRPr>
+            </a:lvl1pPr>
+          </a:lstStyle>
+          <a:p>
+            <a:r>
+              <a:rPr lang="en-US" dirty="0" smtClean="0">
+                <a:latin typeface="Anko Personal Use SemBd" pitchFamily="50" charset="0"/>
+              </a:rPr>
+              <a:t>Page Titles </a:t>
+            </a:r>
+            <a:r>
+              <a:rPr lang="en-US" dirty="0" smtClean="0">
+                <a:latin typeface="Anko Personal Use SemBd" pitchFamily="50" charset="0"/>
+              </a:rPr>
+              <a:t>– other options</a:t>
+            </a:r>
+            <a:endParaRPr lang="en-US" dirty="0">
+              <a:latin typeface="Anko Personal Use SemBd" pitchFamily="50" charset="0"/>
+            </a:endParaRPr>
+          </a:p>
+        </p:txBody>
+      </p:sp>
+      <p:sp>
+        <p:nvSpPr>
+          <p:cNvPr id="6" name="Title 1">
+            <a:extLst>
+              <a:ext uri="{FF2B5EF4-FFF2-40B4-BE49-F238E27FC236}">
+                <a16:creationId xmlns:a16="http://schemas.microsoft.com/office/drawing/2014/main" id="{34DB6CE4-2B13-4715-B5B2-615A55922CA1}"/>
+              </a:ext>
+            </a:extLst>
+          </p:cNvPr>
+          <p:cNvSpPr txBox="1">
+            <a:spLocks/>
+          </p:cNvSpPr>
+          <p:nvPr/>
+        </p:nvSpPr>
+        <p:spPr>
+          <a:xfrm>
+            <a:off x="594360" y="1750423"/>
+            <a:ext cx="11266715" cy="4781005"/>
+          </a:xfrm>
+          <a:prstGeom prst="rect">
+            <a:avLst/>
+          </a:prstGeom>
+        </p:spPr>
+        <p:txBody>
+          <a:bodyPr vert="horz" lIns="91440" tIns="45720" rIns="91440" bIns="45720" rtlCol="0" anchor="ctr">
+            <a:normAutofit fontScale="97500"/>
+          </a:bodyPr>
+          <a:lstStyle>
+            <a:lvl1pPr algn="l" defTabSz="914400" rtl="0" eaLnBrk="1" latinLnBrk="0" hangingPunct="1">
+              <a:lnSpc>
+                <a:spcPct val="90000"/>
+              </a:lnSpc>
+              <a:spcBef>
+                <a:spcPct val="0"/>
+              </a:spcBef>
+              <a:buNone/>
+              <a:defRPr sz="4400" kern="1200">
+                <a:solidFill>
+                  <a:schemeClr val="accent1"/>
+                </a:solidFill>
+                <a:latin typeface="+mj-lt"/>
+                <a:ea typeface="+mj-ea"/>
+                <a:cs typeface="+mj-cs"/>
+              </a:defRPr>
+            </a:lvl1pPr>
+          </a:lstStyle>
+          <a:p>
+            <a:pPr marL="571500" indent="-571500">
+              <a:buFont typeface="Arial" panose="020B0604020202020204" pitchFamily="34" charset="0"/>
+              <a:buChar char="•"/>
+            </a:pPr>
+            <a:r>
+              <a:rPr lang="en-US" dirty="0" smtClean="0">
+                <a:solidFill>
+                  <a:srgbClr val="996633"/>
+                </a:solidFill>
+                <a:latin typeface="Bahnschrift SemiBold Condensed" panose="020B0502040204020203" pitchFamily="34" charset="0"/>
+              </a:rPr>
+              <a:t>Page Title – Missing – no data</a:t>
+            </a:r>
+          </a:p>
+          <a:p>
+            <a:pPr marL="571500" indent="-571500">
+              <a:buFont typeface="Arial" panose="020B0604020202020204" pitchFamily="34" charset="0"/>
+              <a:buChar char="•"/>
+            </a:pPr>
+            <a:endParaRPr lang="en-US" dirty="0" smtClean="0">
+              <a:solidFill>
+                <a:srgbClr val="996633"/>
+              </a:solidFill>
+              <a:latin typeface="Bahnschrift SemiBold Condensed" panose="020B0502040204020203" pitchFamily="34" charset="0"/>
+            </a:endParaRPr>
+          </a:p>
+        </p:txBody>
+      </p:sp>
+    </p:spTree>
+    <p:extLst>
+      <p:ext uri="{BB962C8B-B14F-4D97-AF65-F5344CB8AC3E}">
+        <p14:creationId xmlns:p14="http://schemas.microsoft.com/office/powerpoint/2010/main" val="1598517955"/>
       </p:ext>
     </p:extLst>
   </p:cSld>
@@ -8369,15 +10539,6 @@
 </file>
 
 <file path=customXml/item2.xml><?xml version="1.0" encoding="utf-8"?>
-<?mso-contentType ?>
-<FormTemplates xmlns="http://schemas.microsoft.com/sharepoint/v3/contenttype/forms">
-  <Display>DocumentLibraryForm</Display>
-  <Edit>DocumentLibraryForm</Edit>
-  <New>DocumentLibraryForm</New>
-</FormTemplates>
-</file>
-
-<file path=customXml/item3.xml><?xml version="1.0" encoding="utf-8"?>
 <ct:contentTypeSchema xmlns:ct="http://schemas.microsoft.com/office/2006/metadata/contentType" xmlns:ma="http://schemas.microsoft.com/office/2006/metadata/properties/metaAttributes" ct:_="" ma:_="" ma:contentTypeName="Document" ma:contentTypeID="0x01010079F111ED35F8CC479449609E8A0923A6" ma:contentTypeVersion="11" ma:contentTypeDescription="Create a new document." ma:contentTypeScope="" ma:versionID="96291512c1ee715ab617f4c07df79fc1">
   <xsd:schema xmlns:xsd="http://www.w3.org/2001/XMLSchema" xmlns:xs="http://www.w3.org/2001/XMLSchema" xmlns:p="http://schemas.microsoft.com/office/2006/metadata/properties" xmlns:ns2="71af3243-3dd4-4a8d-8c0d-dd76da1f02a5" xmlns:ns3="16c05727-aa75-4e4a-9b5f-8a80a1165891" targetNamespace="http://schemas.microsoft.com/office/2006/metadata/properties" ma:root="true" ma:fieldsID="8256c27c40ca5c40ce1cf6c44f0205df" ns2:_="" ns3:_="">
     <xsd:import namespace="71af3243-3dd4-4a8d-8c0d-dd76da1f02a5"/>
@@ -8588,6 +10749,15 @@
 </ct:contentTypeSchema>
 </file>
 
+<file path=customXml/item3.xml><?xml version="1.0" encoding="utf-8"?>
+<?mso-contentType ?>
+<FormTemplates xmlns="http://schemas.microsoft.com/sharepoint/v3/contenttype/forms">
+  <Display>DocumentLibraryForm</Display>
+  <Edit>DocumentLibraryForm</Edit>
+  <New>DocumentLibraryForm</New>
+</FormTemplates>
+</file>
+
 <file path=customXml/itemProps1.xml><?xml version="1.0" encoding="utf-8"?>
 <ds:datastoreItem xmlns:ds="http://schemas.openxmlformats.org/officeDocument/2006/customXml" ds:itemID="{E7866CFD-F94E-4AE5-ACEA-86FEC0F48A10}">
   <ds:schemaRefs>
@@ -8599,14 +10769,6 @@
 </file>
 
 <file path=customXml/itemProps2.xml><?xml version="1.0" encoding="utf-8"?>
-<ds:datastoreItem xmlns:ds="http://schemas.openxmlformats.org/officeDocument/2006/customXml" ds:itemID="{B579702B-25C7-40D7-9E29-7686B11A9660}">
-  <ds:schemaRefs>
-    <ds:schemaRef ds:uri="http://schemas.microsoft.com/sharepoint/v3/contenttype/forms"/>
-  </ds:schemaRefs>
-</ds:datastoreItem>
-</file>
-
-<file path=customXml/itemProps3.xml><?xml version="1.0" encoding="utf-8"?>
 <ds:datastoreItem xmlns:ds="http://schemas.openxmlformats.org/officeDocument/2006/customXml" ds:itemID="{A7C0B241-13E5-418D-8920-D23491E2D2C0}">
   <ds:schemaRefs>
     <ds:schemaRef ds:uri="http://schemas.microsoft.com/office/2006/metadata/contentType"/>
@@ -8623,4 +10785,12 @@
     <ds:schemaRef ds:uri="http://schemas.microsoft.com/internal/obd"/>
   </ds:schemaRefs>
 </ds:datastoreItem>
+</file>
+
+<file path=customXml/itemProps3.xml><?xml version="1.0" encoding="utf-8"?>
+<ds:datastoreItem xmlns:ds="http://schemas.openxmlformats.org/officeDocument/2006/customXml" ds:itemID="{B579702B-25C7-40D7-9E29-7686B11A9660}">
+  <ds:schemaRefs>
+    <ds:schemaRef ds:uri="http://schemas.microsoft.com/sharepoint/v3/contenttype/forms"/>
+  </ds:schemaRefs>
+</ds:datastoreItem>
 </file>
--- a/SCREAMING FROG.pptx
+++ b/SCREAMING FROG.pptx
@@ -5,10 +5,10 @@
     <p:sldMasterId id="2147483855" r:id="rId4"/>
   </p:sldMasterIdLst>
   <p:notesMasterIdLst>
-    <p:notesMasterId r:id="rId35"/>
+    <p:notesMasterId r:id="rId40"/>
   </p:notesMasterIdLst>
   <p:handoutMasterIdLst>
-    <p:handoutMasterId r:id="rId36"/>
+    <p:handoutMasterId r:id="rId41"/>
   </p:handoutMasterIdLst>
   <p:sldIdLst>
     <p:sldId id="256" r:id="rId5"/>
@@ -41,6 +41,11 @@
     <p:sldId id="285" r:id="rId32"/>
     <p:sldId id="287" r:id="rId33"/>
     <p:sldId id="286" r:id="rId34"/>
+    <p:sldId id="288" r:id="rId35"/>
+    <p:sldId id="289" r:id="rId36"/>
+    <p:sldId id="290" r:id="rId37"/>
+    <p:sldId id="292" r:id="rId38"/>
+    <p:sldId id="291" r:id="rId39"/>
   </p:sldIdLst>
   <p:sldSz cx="12192000" cy="6858000"/>
   <p:notesSz cx="6858000" cy="9144000"/>
@@ -244,7 +249,7 @@
           <a:p>
             <a:fld id="{2B85766F-5EC0-4797-B4D1-777FCB005B11}" type="datetimeFigureOut">
               <a:rPr lang="en-US" smtClean="0"/>
-              <a:t>7/26/2022</a:t>
+              <a:t>7/28/2022</a:t>
             </a:fld>
             <a:endParaRPr lang="en-US" dirty="0"/>
           </a:p>
@@ -421,7 +426,7 @@
           <a:p>
             <a:fld id="{B2B4B5EC-152C-4627-80C0-63B10D5574EF}" type="datetimeFigureOut">
               <a:rPr lang="en-US" smtClean="0"/>
-              <a:t>7/26/2022</a:t>
+              <a:t>7/28/2022</a:t>
             </a:fld>
             <a:endParaRPr lang="en-US" dirty="0"/>
           </a:p>
@@ -899,7 +904,7 @@
           <a:p>
             <a:fld id="{48A87A34-81AB-432B-8DAE-1953F412C126}" type="datetimeFigureOut">
               <a:rPr lang="en-US" smtClean="0"/>
-              <a:t>7/26/2022</a:t>
+              <a:t>7/28/2022</a:t>
             </a:fld>
             <a:endParaRPr lang="en-US" dirty="0"/>
           </a:p>
@@ -1120,7 +1125,7 @@
           <a:p>
             <a:fld id="{48A87A34-81AB-432B-8DAE-1953F412C126}" type="datetimeFigureOut">
               <a:rPr lang="en-US" smtClean="0"/>
-              <a:t>7/26/2022</a:t>
+              <a:t>7/28/2022</a:t>
             </a:fld>
             <a:endParaRPr lang="en-US" dirty="0"/>
           </a:p>
@@ -1300,7 +1305,7 @@
           <a:p>
             <a:fld id="{48A87A34-81AB-432B-8DAE-1953F412C126}" type="datetimeFigureOut">
               <a:rPr lang="en-US" smtClean="0"/>
-              <a:t>7/26/2022</a:t>
+              <a:t>7/28/2022</a:t>
             </a:fld>
             <a:endParaRPr lang="en-US" dirty="0"/>
           </a:p>
@@ -1470,7 +1475,7 @@
           <a:p>
             <a:fld id="{48A87A34-81AB-432B-8DAE-1953F412C126}" type="datetimeFigureOut">
               <a:rPr lang="en-US" smtClean="0"/>
-              <a:t>7/26/2022</a:t>
+              <a:t>7/28/2022</a:t>
             </a:fld>
             <a:endParaRPr lang="en-US" dirty="0"/>
           </a:p>
@@ -1744,7 +1749,7 @@
           <a:p>
             <a:fld id="{48A87A34-81AB-432B-8DAE-1953F412C126}" type="datetimeFigureOut">
               <a:rPr lang="en-US" smtClean="0"/>
-              <a:t>7/26/2022</a:t>
+              <a:t>7/28/2022</a:t>
             </a:fld>
             <a:endParaRPr lang="en-US" dirty="0"/>
           </a:p>
@@ -2067,7 +2072,7 @@
           <a:p>
             <a:fld id="{48A87A34-81AB-432B-8DAE-1953F412C126}" type="datetimeFigureOut">
               <a:rPr lang="en-US" smtClean="0"/>
-              <a:t>7/26/2022</a:t>
+              <a:t>7/28/2022</a:t>
             </a:fld>
             <a:endParaRPr lang="en-US" dirty="0"/>
           </a:p>
@@ -2491,7 +2496,7 @@
           <a:p>
             <a:fld id="{48A87A34-81AB-432B-8DAE-1953F412C126}" type="datetimeFigureOut">
               <a:rPr lang="en-US" smtClean="0"/>
-              <a:t>7/26/2022</a:t>
+              <a:t>7/28/2022</a:t>
             </a:fld>
             <a:endParaRPr lang="en-US" dirty="0"/>
           </a:p>
@@ -2609,7 +2614,7 @@
           <a:p>
             <a:fld id="{48A87A34-81AB-432B-8DAE-1953F412C126}" type="datetimeFigureOut">
               <a:rPr lang="en-US" smtClean="0"/>
-              <a:t>7/26/2022</a:t>
+              <a:t>7/28/2022</a:t>
             </a:fld>
             <a:endParaRPr lang="en-US" dirty="0"/>
           </a:p>
@@ -2704,7 +2709,7 @@
           <a:p>
             <a:fld id="{48A87A34-81AB-432B-8DAE-1953F412C126}" type="datetimeFigureOut">
               <a:rPr lang="en-US" smtClean="0"/>
-              <a:t>7/26/2022</a:t>
+              <a:t>7/28/2022</a:t>
             </a:fld>
             <a:endParaRPr lang="en-US" dirty="0"/>
           </a:p>
@@ -2994,7 +2999,7 @@
           <a:p>
             <a:fld id="{48A87A34-81AB-432B-8DAE-1953F412C126}" type="datetimeFigureOut">
               <a:rPr lang="en-US" smtClean="0"/>
-              <a:t>7/26/2022</a:t>
+              <a:t>7/28/2022</a:t>
             </a:fld>
             <a:endParaRPr lang="en-US" dirty="0"/>
           </a:p>
@@ -3266,7 +3271,7 @@
           <a:p>
             <a:fld id="{48A87A34-81AB-432B-8DAE-1953F412C126}" type="datetimeFigureOut">
               <a:rPr lang="en-US" smtClean="0"/>
-              <a:t>7/26/2022</a:t>
+              <a:t>7/28/2022</a:t>
             </a:fld>
             <a:endParaRPr lang="en-US" dirty="0"/>
           </a:p>
@@ -3521,7 +3526,7 @@
             <a:fld id="{48A87A34-81AB-432B-8DAE-1953F412C126}" type="datetimeFigureOut">
               <a:rPr lang="en-US" smtClean="0"/>
               <a:pPr/>
-              <a:t>7/26/2022</a:t>
+              <a:t>7/28/2022</a:t>
             </a:fld>
             <a:endParaRPr lang="en-US" dirty="0"/>
           </a:p>
@@ -6334,27 +6339,15 @@
               <a:rPr lang="en-US" dirty="0" smtClean="0">
                 <a:latin typeface="Anko Personal Use SemBd" pitchFamily="50" charset="0"/>
               </a:rPr>
-              <a:t>Internal </a:t>
-            </a:r>
+              <a:t>Internal Links – </a:t>
+            </a:r>
+          </a:p>
+          <a:p>
             <a:r>
               <a:rPr lang="en-US" dirty="0" smtClean="0">
                 <a:latin typeface="Anko Personal Use SemBd" pitchFamily="50" charset="0"/>
               </a:rPr>
-              <a:t>Links – </a:t>
-            </a:r>
-          </a:p>
-          <a:p>
-            <a:r>
-              <a:rPr lang="en-US" dirty="0" smtClean="0">
-                <a:latin typeface="Anko Personal Use SemBd" pitchFamily="50" charset="0"/>
-              </a:rPr>
-              <a:t>HTML</a:t>
-            </a:r>
-            <a:r>
-              <a:rPr lang="en-US" dirty="0" smtClean="0">
-                <a:latin typeface="Anko Personal Use SemBd" pitchFamily="50" charset="0"/>
-              </a:rPr>
-              <a:t>:</a:t>
+              <a:t>HTML:</a:t>
             </a:r>
             <a:endParaRPr lang="en-US" dirty="0">
               <a:latin typeface="Anko Personal Use SemBd" pitchFamily="50" charset="0"/>
@@ -6520,27 +6513,15 @@
               <a:rPr lang="en-US" dirty="0" smtClean="0">
                 <a:latin typeface="Anko Personal Use SemBd" pitchFamily="50" charset="0"/>
               </a:rPr>
-              <a:t>Internal </a:t>
-            </a:r>
+              <a:t>Internal Links – </a:t>
+            </a:r>
+          </a:p>
+          <a:p>
             <a:r>
               <a:rPr lang="en-US" dirty="0" smtClean="0">
                 <a:latin typeface="Anko Personal Use SemBd" pitchFamily="50" charset="0"/>
               </a:rPr>
-              <a:t>Links – </a:t>
-            </a:r>
-          </a:p>
-          <a:p>
-            <a:r>
-              <a:rPr lang="en-US" dirty="0" smtClean="0">
-                <a:latin typeface="Anko Personal Use SemBd" pitchFamily="50" charset="0"/>
-              </a:rPr>
-              <a:t>JAVA</a:t>
-            </a:r>
-            <a:r>
-              <a:rPr lang="en-US" dirty="0" smtClean="0">
-                <a:latin typeface="Anko Personal Use SemBd" pitchFamily="50" charset="0"/>
-              </a:rPr>
-              <a:t>:</a:t>
+              <a:t>JAVA:</a:t>
             </a:r>
             <a:endParaRPr lang="en-US" dirty="0">
               <a:latin typeface="Anko Personal Use SemBd" pitchFamily="50" charset="0"/>
@@ -6706,27 +6687,15 @@
               <a:rPr lang="en-US" dirty="0" smtClean="0">
                 <a:latin typeface="Anko Personal Use SemBd" pitchFamily="50" charset="0"/>
               </a:rPr>
-              <a:t>Internal </a:t>
-            </a:r>
+              <a:t>Internal Links – </a:t>
+            </a:r>
+          </a:p>
+          <a:p>
             <a:r>
               <a:rPr lang="en-US" dirty="0" smtClean="0">
                 <a:latin typeface="Anko Personal Use SemBd" pitchFamily="50" charset="0"/>
               </a:rPr>
-              <a:t>Links – </a:t>
-            </a:r>
-          </a:p>
-          <a:p>
-            <a:r>
-              <a:rPr lang="en-US" dirty="0" smtClean="0">
-                <a:latin typeface="Anko Personal Use SemBd" pitchFamily="50" charset="0"/>
-              </a:rPr>
-              <a:t>CSS</a:t>
-            </a:r>
-            <a:r>
-              <a:rPr lang="en-US" dirty="0" smtClean="0">
-                <a:latin typeface="Anko Personal Use SemBd" pitchFamily="50" charset="0"/>
-              </a:rPr>
-              <a:t>:</a:t>
+              <a:t>CSS:</a:t>
             </a:r>
             <a:endParaRPr lang="en-US" dirty="0">
               <a:latin typeface="Anko Personal Use SemBd" pitchFamily="50" charset="0"/>
@@ -7456,25 +7425,7 @@
                 </a:solidFill>
                 <a:latin typeface="Bahnschrift SemiBold Condensed" panose="020B0502040204020203" pitchFamily="34" charset="0"/>
               </a:rPr>
-              <a:t>URL </a:t>
-            </a:r>
-            <a:r>
-              <a:rPr lang="en-US" dirty="0" smtClean="0">
-                <a:solidFill>
-                  <a:srgbClr val="996633"/>
-                </a:solidFill>
-                <a:latin typeface="Bahnschrift SemiBold Condensed" panose="020B0502040204020203" pitchFamily="34" charset="0"/>
-              </a:rPr>
-              <a:t>Uppercase – no </a:t>
-            </a:r>
-            <a:r>
-              <a:rPr lang="en-US" dirty="0" smtClean="0">
-                <a:solidFill>
-                  <a:srgbClr val="996633"/>
-                </a:solidFill>
-                <a:latin typeface="Bahnschrift SemiBold Condensed" panose="020B0502040204020203" pitchFamily="34" charset="0"/>
-              </a:rPr>
-              <a:t>data</a:t>
+              <a:t>URL Uppercase – no data</a:t>
             </a:r>
           </a:p>
           <a:p>
@@ -7506,12 +7457,6 @@
               </a:rPr>
               <a:t>URL Underscore – no data</a:t>
             </a:r>
-            <a:endParaRPr lang="en-US" dirty="0" smtClean="0">
-              <a:solidFill>
-                <a:srgbClr val="996633"/>
-              </a:solidFill>
-              <a:latin typeface="Bahnschrift SemiBold Condensed" panose="020B0502040204020203" pitchFamily="34" charset="0"/>
-            </a:endParaRPr>
           </a:p>
           <a:p>
             <a:pPr marL="571500" indent="-571500">
@@ -7890,19 +7835,7 @@
               <a:rPr lang="en-US" sz="4000" dirty="0" smtClean="0">
                 <a:latin typeface="Anko Personal Use SemBd" pitchFamily="50" charset="0"/>
               </a:rPr>
-              <a:t>Page Titles - </a:t>
-            </a:r>
-            <a:r>
-              <a:rPr lang="en-US" sz="4000" dirty="0" smtClean="0">
-                <a:latin typeface="Anko Personal Use SemBd" pitchFamily="50" charset="0"/>
-              </a:rPr>
-              <a:t>Duplicate</a:t>
-            </a:r>
-            <a:r>
-              <a:rPr lang="en-US" sz="4000" dirty="0" smtClean="0">
-                <a:latin typeface="Anko Personal Use SemBd" pitchFamily="50" charset="0"/>
-              </a:rPr>
-              <a:t>:</a:t>
+              <a:t>Page Titles - Duplicate:</a:t>
             </a:r>
             <a:endParaRPr lang="en-US" sz="4000" dirty="0">
               <a:latin typeface="Anko Personal Use SemBd" pitchFamily="50" charset="0"/>
@@ -8068,19 +8001,7 @@
               <a:rPr lang="en-US" sz="4000" dirty="0" smtClean="0">
                 <a:latin typeface="Anko Personal Use SemBd" pitchFamily="50" charset="0"/>
               </a:rPr>
-              <a:t>Page Titles– </a:t>
-            </a:r>
-            <a:r>
-              <a:rPr lang="en-US" sz="4000" dirty="0" smtClean="0">
-                <a:latin typeface="Anko Personal Use SemBd" pitchFamily="50" charset="0"/>
-              </a:rPr>
-              <a:t>Over 60 Characters</a:t>
-            </a:r>
-            <a:r>
-              <a:rPr lang="en-US" sz="4000" dirty="0" smtClean="0">
-                <a:latin typeface="Anko Personal Use SemBd" pitchFamily="50" charset="0"/>
-              </a:rPr>
-              <a:t>:</a:t>
+              <a:t>Page Titles– Over 60 Characters:</a:t>
             </a:r>
             <a:endParaRPr lang="en-US" sz="4000" dirty="0">
               <a:latin typeface="Anko Personal Use SemBd" pitchFamily="50" charset="0"/>
@@ -8386,7 +8307,7 @@
         </p:spPr>
         <p:txBody>
           <a:bodyPr vert="horz" lIns="91440" tIns="45720" rIns="91440" bIns="45720" rtlCol="0" anchor="ctr">
-            <a:normAutofit fontScale="75000" lnSpcReduction="20000"/>
+            <a:normAutofit fontScale="82500" lnSpcReduction="20000"/>
           </a:bodyPr>
           <a:lstStyle>
             <a:lvl1pPr algn="l" defTabSz="914400" rtl="0" eaLnBrk="1" latinLnBrk="0" hangingPunct="1">
@@ -8412,13 +8333,7 @@
               <a:rPr lang="en-US" dirty="0" smtClean="0">
                 <a:latin typeface="Anko Personal Use SemBd" pitchFamily="50" charset="0"/>
               </a:rPr>
-              <a:t>Page Titles </a:t>
-            </a:r>
-            <a:r>
-              <a:rPr lang="en-US" dirty="0" smtClean="0">
-                <a:latin typeface="Anko Personal Use SemBd" pitchFamily="50" charset="0"/>
-              </a:rPr>
-              <a:t>– other options</a:t>
+              <a:t>Page Titles – other options</a:t>
             </a:r>
             <a:endParaRPr lang="en-US" dirty="0">
               <a:latin typeface="Anko Personal Use SemBd" pitchFamily="50" charset="0"/>
@@ -8505,6 +8420,932 @@
     <p:extLst>
       <p:ext uri="{BB962C8B-B14F-4D97-AF65-F5344CB8AC3E}">
         <p14:creationId xmlns:p14="http://schemas.microsoft.com/office/powerpoint/2010/main" val="1598517955"/>
+      </p:ext>
+    </p:extLst>
+  </p:cSld>
+  <p:clrMapOvr>
+    <a:masterClrMapping/>
+  </p:clrMapOvr>
+  <p:timing>
+    <p:tnLst>
+      <p:par>
+        <p:cTn id="1" dur="indefinite" restart="never" nodeType="tmRoot"/>
+      </p:par>
+    </p:tnLst>
+  </p:timing>
+</p:sld>
+</file>
+
+<file path=ppt/slides/slide31.xml><?xml version="1.0" encoding="utf-8"?>
+<p:sld xmlns:a="http://schemas.openxmlformats.org/drawingml/2006/main" xmlns:r="http://schemas.openxmlformats.org/officeDocument/2006/relationships" xmlns:p="http://schemas.openxmlformats.org/presentationml/2006/main">
+  <p:cSld>
+    <p:spTree>
+      <p:nvGrpSpPr>
+        <p:cNvPr id="1" name=""/>
+        <p:cNvGrpSpPr/>
+        <p:nvPr/>
+      </p:nvGrpSpPr>
+      <p:grpSpPr>
+        <a:xfrm>
+          <a:off x="0" y="0"/>
+          <a:ext cx="0" cy="0"/>
+          <a:chOff x="0" y="0"/>
+          <a:chExt cx="0" cy="0"/>
+        </a:xfrm>
+      </p:grpSpPr>
+      <p:sp>
+        <p:nvSpPr>
+          <p:cNvPr id="2" name="Title 1">
+            <a:extLst>
+              <a:ext uri="{FF2B5EF4-FFF2-40B4-BE49-F238E27FC236}">
+                <a16:creationId xmlns:a16="http://schemas.microsoft.com/office/drawing/2014/main" id="{34DB6CE4-2B13-4715-B5B2-615A55922CA1}"/>
+              </a:ext>
+            </a:extLst>
+          </p:cNvPr>
+          <p:cNvSpPr>
+            <a:spLocks noGrp="1"/>
+          </p:cNvSpPr>
+          <p:nvPr>
+            <p:ph type="title"/>
+          </p:nvPr>
+        </p:nvSpPr>
+        <p:spPr>
+          <a:xfrm>
+            <a:off x="594360" y="470263"/>
+            <a:ext cx="9875520" cy="653143"/>
+          </a:xfrm>
+        </p:spPr>
+        <p:txBody>
+          <a:bodyPr>
+            <a:normAutofit fontScale="90000"/>
+          </a:bodyPr>
+          <a:lstStyle/>
+          <a:p>
+            <a:r>
+              <a:rPr lang="en-US" dirty="0">
+                <a:solidFill>
+                  <a:srgbClr val="FF0000"/>
+                </a:solidFill>
+                <a:latin typeface="Rockwell" panose="02060603020205020403" pitchFamily="18" charset="0"/>
+              </a:rPr>
+              <a:t>https://www.jiomart.com/</a:t>
+            </a:r>
+            <a:endParaRPr lang="en-US" sz="4400" dirty="0">
+              <a:solidFill>
+                <a:srgbClr val="FF0000"/>
+              </a:solidFill>
+              <a:latin typeface="Rockwell" panose="02060603020205020403" pitchFamily="18" charset="0"/>
+            </a:endParaRPr>
+          </a:p>
+        </p:txBody>
+      </p:sp>
+      <p:sp>
+        <p:nvSpPr>
+          <p:cNvPr id="5" name="Title 1">
+            <a:extLst>
+              <a:ext uri="{FF2B5EF4-FFF2-40B4-BE49-F238E27FC236}">
+                <a16:creationId xmlns:a16="http://schemas.microsoft.com/office/drawing/2014/main" id="{34DB6CE4-2B13-4715-B5B2-615A55922CA1}"/>
+              </a:ext>
+            </a:extLst>
+          </p:cNvPr>
+          <p:cNvSpPr txBox="1">
+            <a:spLocks/>
+          </p:cNvSpPr>
+          <p:nvPr/>
+        </p:nvSpPr>
+        <p:spPr>
+          <a:xfrm>
+            <a:off x="594360" y="3083958"/>
+            <a:ext cx="2697480" cy="1322580"/>
+          </a:xfrm>
+          <a:prstGeom prst="rect">
+            <a:avLst/>
+          </a:prstGeom>
+        </p:spPr>
+        <p:txBody>
+          <a:bodyPr vert="horz" lIns="91440" tIns="45720" rIns="91440" bIns="45720" rtlCol="0" anchor="ctr">
+            <a:normAutofit fontScale="90000"/>
+          </a:bodyPr>
+          <a:lstStyle>
+            <a:lvl1pPr algn="l" defTabSz="914400" rtl="0" eaLnBrk="1" latinLnBrk="0" hangingPunct="1">
+              <a:lnSpc>
+                <a:spcPct val="90000"/>
+              </a:lnSpc>
+              <a:spcBef>
+                <a:spcPct val="0"/>
+              </a:spcBef>
+              <a:buNone/>
+              <a:defRPr sz="4400" kern="1200">
+                <a:solidFill>
+                  <a:schemeClr val="accent1"/>
+                </a:solidFill>
+                <a:latin typeface="+mj-lt"/>
+                <a:ea typeface="+mj-ea"/>
+                <a:cs typeface="+mj-cs"/>
+              </a:defRPr>
+            </a:lvl1pPr>
+          </a:lstStyle>
+          <a:p>
+            <a:r>
+              <a:rPr lang="en-US" sz="4000" dirty="0" smtClean="0">
+                <a:latin typeface="Anko Personal Use SemBd" pitchFamily="50" charset="0"/>
+              </a:rPr>
+              <a:t>Meta Description:</a:t>
+            </a:r>
+            <a:endParaRPr lang="en-US" sz="4000" dirty="0">
+              <a:latin typeface="Anko Personal Use SemBd" pitchFamily="50" charset="0"/>
+            </a:endParaRPr>
+          </a:p>
+        </p:txBody>
+      </p:sp>
+      <p:pic>
+        <p:nvPicPr>
+          <p:cNvPr id="6" name="Picture 5"/>
+          <p:cNvPicPr>
+            <a:picLocks noChangeAspect="1"/>
+          </p:cNvPicPr>
+          <p:nvPr/>
+        </p:nvPicPr>
+        <p:blipFill>
+          <a:blip r:embed="rId2"/>
+          <a:stretch>
+            <a:fillRect/>
+          </a:stretch>
+        </p:blipFill>
+        <p:spPr>
+          <a:xfrm>
+            <a:off x="3161211" y="1123405"/>
+            <a:ext cx="8654831" cy="5362651"/>
+          </a:xfrm>
+          <a:prstGeom prst="rect">
+            <a:avLst/>
+          </a:prstGeom>
+        </p:spPr>
+      </p:pic>
+    </p:spTree>
+    <p:extLst>
+      <p:ext uri="{BB962C8B-B14F-4D97-AF65-F5344CB8AC3E}">
+        <p14:creationId xmlns:p14="http://schemas.microsoft.com/office/powerpoint/2010/main" val="1084278293"/>
+      </p:ext>
+    </p:extLst>
+  </p:cSld>
+  <p:clrMapOvr>
+    <a:masterClrMapping/>
+  </p:clrMapOvr>
+  <p:timing>
+    <p:tnLst>
+      <p:par>
+        <p:cTn id="1" dur="indefinite" restart="never" nodeType="tmRoot"/>
+      </p:par>
+    </p:tnLst>
+  </p:timing>
+</p:sld>
+</file>
+
+<file path=ppt/slides/slide32.xml><?xml version="1.0" encoding="utf-8"?>
+<p:sld xmlns:a="http://schemas.openxmlformats.org/drawingml/2006/main" xmlns:r="http://schemas.openxmlformats.org/officeDocument/2006/relationships" xmlns:p="http://schemas.openxmlformats.org/presentationml/2006/main">
+  <p:cSld>
+    <p:spTree>
+      <p:nvGrpSpPr>
+        <p:cNvPr id="1" name=""/>
+        <p:cNvGrpSpPr/>
+        <p:nvPr/>
+      </p:nvGrpSpPr>
+      <p:grpSpPr>
+        <a:xfrm>
+          <a:off x="0" y="0"/>
+          <a:ext cx="0" cy="0"/>
+          <a:chOff x="0" y="0"/>
+          <a:chExt cx="0" cy="0"/>
+        </a:xfrm>
+      </p:grpSpPr>
+      <p:sp>
+        <p:nvSpPr>
+          <p:cNvPr id="2" name="Title 1">
+            <a:extLst>
+              <a:ext uri="{FF2B5EF4-FFF2-40B4-BE49-F238E27FC236}">
+                <a16:creationId xmlns:a16="http://schemas.microsoft.com/office/drawing/2014/main" id="{34DB6CE4-2B13-4715-B5B2-615A55922CA1}"/>
+              </a:ext>
+            </a:extLst>
+          </p:cNvPr>
+          <p:cNvSpPr>
+            <a:spLocks noGrp="1"/>
+          </p:cNvSpPr>
+          <p:nvPr>
+            <p:ph type="title"/>
+          </p:nvPr>
+        </p:nvSpPr>
+        <p:spPr>
+          <a:xfrm>
+            <a:off x="594360" y="470263"/>
+            <a:ext cx="9875520" cy="653143"/>
+          </a:xfrm>
+        </p:spPr>
+        <p:txBody>
+          <a:bodyPr>
+            <a:normAutofit fontScale="90000"/>
+          </a:bodyPr>
+          <a:lstStyle/>
+          <a:p>
+            <a:r>
+              <a:rPr lang="en-US" dirty="0">
+                <a:solidFill>
+                  <a:srgbClr val="FF0000"/>
+                </a:solidFill>
+                <a:latin typeface="Rockwell" panose="02060603020205020403" pitchFamily="18" charset="0"/>
+              </a:rPr>
+              <a:t>https://www.jiomart.com/</a:t>
+            </a:r>
+            <a:endParaRPr lang="en-US" sz="4400" dirty="0">
+              <a:solidFill>
+                <a:srgbClr val="FF0000"/>
+              </a:solidFill>
+              <a:latin typeface="Rockwell" panose="02060603020205020403" pitchFamily="18" charset="0"/>
+            </a:endParaRPr>
+          </a:p>
+        </p:txBody>
+      </p:sp>
+      <p:sp>
+        <p:nvSpPr>
+          <p:cNvPr id="5" name="Title 1">
+            <a:extLst>
+              <a:ext uri="{FF2B5EF4-FFF2-40B4-BE49-F238E27FC236}">
+                <a16:creationId xmlns:a16="http://schemas.microsoft.com/office/drawing/2014/main" id="{34DB6CE4-2B13-4715-B5B2-615A55922CA1}"/>
+              </a:ext>
+            </a:extLst>
+          </p:cNvPr>
+          <p:cNvSpPr txBox="1">
+            <a:spLocks/>
+          </p:cNvSpPr>
+          <p:nvPr/>
+        </p:nvSpPr>
+        <p:spPr>
+          <a:xfrm>
+            <a:off x="594360" y="3083958"/>
+            <a:ext cx="2697480" cy="1322580"/>
+          </a:xfrm>
+          <a:prstGeom prst="rect">
+            <a:avLst/>
+          </a:prstGeom>
+        </p:spPr>
+        <p:txBody>
+          <a:bodyPr vert="horz" lIns="91440" tIns="45720" rIns="91440" bIns="45720" rtlCol="0" anchor="ctr">
+            <a:normAutofit fontScale="90000" lnSpcReduction="20000"/>
+          </a:bodyPr>
+          <a:lstStyle>
+            <a:lvl1pPr algn="l" defTabSz="914400" rtl="0" eaLnBrk="1" latinLnBrk="0" hangingPunct="1">
+              <a:lnSpc>
+                <a:spcPct val="90000"/>
+              </a:lnSpc>
+              <a:spcBef>
+                <a:spcPct val="0"/>
+              </a:spcBef>
+              <a:buNone/>
+              <a:defRPr sz="4400" kern="1200">
+                <a:solidFill>
+                  <a:schemeClr val="accent1"/>
+                </a:solidFill>
+                <a:latin typeface="+mj-lt"/>
+                <a:ea typeface="+mj-ea"/>
+                <a:cs typeface="+mj-cs"/>
+              </a:defRPr>
+            </a:lvl1pPr>
+          </a:lstStyle>
+          <a:p>
+            <a:r>
+              <a:rPr lang="en-US" sz="4000" dirty="0" smtClean="0">
+                <a:latin typeface="Anko Personal Use SemBd" pitchFamily="50" charset="0"/>
+              </a:rPr>
+              <a:t>Meta Description - Missing:</a:t>
+            </a:r>
+            <a:endParaRPr lang="en-US" sz="4000" dirty="0">
+              <a:latin typeface="Anko Personal Use SemBd" pitchFamily="50" charset="0"/>
+            </a:endParaRPr>
+          </a:p>
+        </p:txBody>
+      </p:sp>
+      <p:pic>
+        <p:nvPicPr>
+          <p:cNvPr id="4" name="Picture 3"/>
+          <p:cNvPicPr>
+            <a:picLocks noChangeAspect="1"/>
+          </p:cNvPicPr>
+          <p:nvPr/>
+        </p:nvPicPr>
+        <p:blipFill>
+          <a:blip r:embed="rId2"/>
+          <a:stretch>
+            <a:fillRect/>
+          </a:stretch>
+        </p:blipFill>
+        <p:spPr>
+          <a:xfrm>
+            <a:off x="3291840" y="1123406"/>
+            <a:ext cx="8483789" cy="5281048"/>
+          </a:xfrm>
+          <a:prstGeom prst="rect">
+            <a:avLst/>
+          </a:prstGeom>
+        </p:spPr>
+      </p:pic>
+    </p:spTree>
+    <p:extLst>
+      <p:ext uri="{BB962C8B-B14F-4D97-AF65-F5344CB8AC3E}">
+        <p14:creationId xmlns:p14="http://schemas.microsoft.com/office/powerpoint/2010/main" val="4107802417"/>
+      </p:ext>
+    </p:extLst>
+  </p:cSld>
+  <p:clrMapOvr>
+    <a:masterClrMapping/>
+  </p:clrMapOvr>
+  <p:timing>
+    <p:tnLst>
+      <p:par>
+        <p:cTn id="1" dur="indefinite" restart="never" nodeType="tmRoot"/>
+      </p:par>
+    </p:tnLst>
+  </p:timing>
+</p:sld>
+</file>
+
+<file path=ppt/slides/slide33.xml><?xml version="1.0" encoding="utf-8"?>
+<p:sld xmlns:a="http://schemas.openxmlformats.org/drawingml/2006/main" xmlns:r="http://schemas.openxmlformats.org/officeDocument/2006/relationships" xmlns:p="http://schemas.openxmlformats.org/presentationml/2006/main">
+  <p:cSld>
+    <p:spTree>
+      <p:nvGrpSpPr>
+        <p:cNvPr id="1" name=""/>
+        <p:cNvGrpSpPr/>
+        <p:nvPr/>
+      </p:nvGrpSpPr>
+      <p:grpSpPr>
+        <a:xfrm>
+          <a:off x="0" y="0"/>
+          <a:ext cx="0" cy="0"/>
+          <a:chOff x="0" y="0"/>
+          <a:chExt cx="0" cy="0"/>
+        </a:xfrm>
+      </p:grpSpPr>
+      <p:sp>
+        <p:nvSpPr>
+          <p:cNvPr id="2" name="Title 1">
+            <a:extLst>
+              <a:ext uri="{FF2B5EF4-FFF2-40B4-BE49-F238E27FC236}">
+                <a16:creationId xmlns:a16="http://schemas.microsoft.com/office/drawing/2014/main" id="{34DB6CE4-2B13-4715-B5B2-615A55922CA1}"/>
+              </a:ext>
+            </a:extLst>
+          </p:cNvPr>
+          <p:cNvSpPr>
+            <a:spLocks noGrp="1"/>
+          </p:cNvSpPr>
+          <p:nvPr>
+            <p:ph type="title"/>
+          </p:nvPr>
+        </p:nvSpPr>
+        <p:spPr>
+          <a:xfrm>
+            <a:off x="594360" y="470263"/>
+            <a:ext cx="9875520" cy="653143"/>
+          </a:xfrm>
+        </p:spPr>
+        <p:txBody>
+          <a:bodyPr>
+            <a:normAutofit fontScale="90000"/>
+          </a:bodyPr>
+          <a:lstStyle/>
+          <a:p>
+            <a:r>
+              <a:rPr lang="en-US" dirty="0">
+                <a:solidFill>
+                  <a:srgbClr val="FF0000"/>
+                </a:solidFill>
+                <a:latin typeface="Rockwell" panose="02060603020205020403" pitchFamily="18" charset="0"/>
+              </a:rPr>
+              <a:t>https://www.jiomart.com/</a:t>
+            </a:r>
+            <a:endParaRPr lang="en-US" sz="4400" dirty="0">
+              <a:solidFill>
+                <a:srgbClr val="FF0000"/>
+              </a:solidFill>
+              <a:latin typeface="Rockwell" panose="02060603020205020403" pitchFamily="18" charset="0"/>
+            </a:endParaRPr>
+          </a:p>
+        </p:txBody>
+      </p:sp>
+      <p:sp>
+        <p:nvSpPr>
+          <p:cNvPr id="5" name="Title 1">
+            <a:extLst>
+              <a:ext uri="{FF2B5EF4-FFF2-40B4-BE49-F238E27FC236}">
+                <a16:creationId xmlns:a16="http://schemas.microsoft.com/office/drawing/2014/main" id="{34DB6CE4-2B13-4715-B5B2-615A55922CA1}"/>
+              </a:ext>
+            </a:extLst>
+          </p:cNvPr>
+          <p:cNvSpPr txBox="1">
+            <a:spLocks/>
+          </p:cNvSpPr>
+          <p:nvPr/>
+        </p:nvSpPr>
+        <p:spPr>
+          <a:xfrm>
+            <a:off x="594360" y="3083958"/>
+            <a:ext cx="2697480" cy="1322580"/>
+          </a:xfrm>
+          <a:prstGeom prst="rect">
+            <a:avLst/>
+          </a:prstGeom>
+        </p:spPr>
+        <p:txBody>
+          <a:bodyPr vert="horz" lIns="91440" tIns="45720" rIns="91440" bIns="45720" rtlCol="0" anchor="ctr">
+            <a:normAutofit fontScale="90000" lnSpcReduction="20000"/>
+          </a:bodyPr>
+          <a:lstStyle>
+            <a:lvl1pPr algn="l" defTabSz="914400" rtl="0" eaLnBrk="1" latinLnBrk="0" hangingPunct="1">
+              <a:lnSpc>
+                <a:spcPct val="90000"/>
+              </a:lnSpc>
+              <a:spcBef>
+                <a:spcPct val="0"/>
+              </a:spcBef>
+              <a:buNone/>
+              <a:defRPr sz="4400" kern="1200">
+                <a:solidFill>
+                  <a:schemeClr val="accent1"/>
+                </a:solidFill>
+                <a:latin typeface="+mj-lt"/>
+                <a:ea typeface="+mj-ea"/>
+                <a:cs typeface="+mj-cs"/>
+              </a:defRPr>
+            </a:lvl1pPr>
+          </a:lstStyle>
+          <a:p>
+            <a:r>
+              <a:rPr lang="en-US" sz="4000" dirty="0" smtClean="0">
+                <a:latin typeface="Anko Personal Use SemBd" pitchFamily="50" charset="0"/>
+              </a:rPr>
+              <a:t>Meta Description - Duplicate:</a:t>
+            </a:r>
+            <a:endParaRPr lang="en-US" sz="4000" dirty="0">
+              <a:latin typeface="Anko Personal Use SemBd" pitchFamily="50" charset="0"/>
+            </a:endParaRPr>
+          </a:p>
+        </p:txBody>
+      </p:sp>
+      <p:pic>
+        <p:nvPicPr>
+          <p:cNvPr id="3" name="Picture 2"/>
+          <p:cNvPicPr>
+            <a:picLocks noChangeAspect="1"/>
+          </p:cNvPicPr>
+          <p:nvPr/>
+        </p:nvPicPr>
+        <p:blipFill>
+          <a:blip r:embed="rId2"/>
+          <a:stretch>
+            <a:fillRect/>
+          </a:stretch>
+        </p:blipFill>
+        <p:spPr>
+          <a:xfrm>
+            <a:off x="3111425" y="1123406"/>
+            <a:ext cx="8711060" cy="5376006"/>
+          </a:xfrm>
+          <a:prstGeom prst="rect">
+            <a:avLst/>
+          </a:prstGeom>
+        </p:spPr>
+      </p:pic>
+    </p:spTree>
+    <p:extLst>
+      <p:ext uri="{BB962C8B-B14F-4D97-AF65-F5344CB8AC3E}">
+        <p14:creationId xmlns:p14="http://schemas.microsoft.com/office/powerpoint/2010/main" val="449082712"/>
+      </p:ext>
+    </p:extLst>
+  </p:cSld>
+  <p:clrMapOvr>
+    <a:masterClrMapping/>
+  </p:clrMapOvr>
+  <p:timing>
+    <p:tnLst>
+      <p:par>
+        <p:cTn id="1" dur="indefinite" restart="never" nodeType="tmRoot"/>
+      </p:par>
+    </p:tnLst>
+  </p:timing>
+</p:sld>
+</file>
+
+<file path=ppt/slides/slide34.xml><?xml version="1.0" encoding="utf-8"?>
+<p:sld xmlns:a="http://schemas.openxmlformats.org/drawingml/2006/main" xmlns:r="http://schemas.openxmlformats.org/officeDocument/2006/relationships" xmlns:p="http://schemas.openxmlformats.org/presentationml/2006/main">
+  <p:cSld>
+    <p:spTree>
+      <p:nvGrpSpPr>
+        <p:cNvPr id="1" name=""/>
+        <p:cNvGrpSpPr/>
+        <p:nvPr/>
+      </p:nvGrpSpPr>
+      <p:grpSpPr>
+        <a:xfrm>
+          <a:off x="0" y="0"/>
+          <a:ext cx="0" cy="0"/>
+          <a:chOff x="0" y="0"/>
+          <a:chExt cx="0" cy="0"/>
+        </a:xfrm>
+      </p:grpSpPr>
+      <p:sp>
+        <p:nvSpPr>
+          <p:cNvPr id="2" name="Title 1">
+            <a:extLst>
+              <a:ext uri="{FF2B5EF4-FFF2-40B4-BE49-F238E27FC236}">
+                <a16:creationId xmlns:a16="http://schemas.microsoft.com/office/drawing/2014/main" id="{34DB6CE4-2B13-4715-B5B2-615A55922CA1}"/>
+              </a:ext>
+            </a:extLst>
+          </p:cNvPr>
+          <p:cNvSpPr>
+            <a:spLocks noGrp="1"/>
+          </p:cNvSpPr>
+          <p:nvPr>
+            <p:ph type="title"/>
+          </p:nvPr>
+        </p:nvSpPr>
+        <p:spPr>
+          <a:xfrm>
+            <a:off x="594360" y="470263"/>
+            <a:ext cx="9875520" cy="653143"/>
+          </a:xfrm>
+        </p:spPr>
+        <p:txBody>
+          <a:bodyPr>
+            <a:normAutofit fontScale="90000"/>
+          </a:bodyPr>
+          <a:lstStyle/>
+          <a:p>
+            <a:r>
+              <a:rPr lang="en-US" dirty="0">
+                <a:solidFill>
+                  <a:srgbClr val="FF0000"/>
+                </a:solidFill>
+                <a:latin typeface="Rockwell" panose="02060603020205020403" pitchFamily="18" charset="0"/>
+              </a:rPr>
+              <a:t>https://www.jiomart.com/</a:t>
+            </a:r>
+            <a:endParaRPr lang="en-US" sz="4400" dirty="0">
+              <a:solidFill>
+                <a:srgbClr val="FF0000"/>
+              </a:solidFill>
+              <a:latin typeface="Rockwell" panose="02060603020205020403" pitchFamily="18" charset="0"/>
+            </a:endParaRPr>
+          </a:p>
+        </p:txBody>
+      </p:sp>
+      <p:sp>
+        <p:nvSpPr>
+          <p:cNvPr id="5" name="Title 1">
+            <a:extLst>
+              <a:ext uri="{FF2B5EF4-FFF2-40B4-BE49-F238E27FC236}">
+                <a16:creationId xmlns:a16="http://schemas.microsoft.com/office/drawing/2014/main" id="{34DB6CE4-2B13-4715-B5B2-615A55922CA1}"/>
+              </a:ext>
+            </a:extLst>
+          </p:cNvPr>
+          <p:cNvSpPr txBox="1">
+            <a:spLocks/>
+          </p:cNvSpPr>
+          <p:nvPr/>
+        </p:nvSpPr>
+        <p:spPr>
+          <a:xfrm>
+            <a:off x="594360" y="3083958"/>
+            <a:ext cx="2697480" cy="1322580"/>
+          </a:xfrm>
+          <a:prstGeom prst="rect">
+            <a:avLst/>
+          </a:prstGeom>
+        </p:spPr>
+        <p:txBody>
+          <a:bodyPr vert="horz" lIns="91440" tIns="45720" rIns="91440" bIns="45720" rtlCol="0" anchor="ctr">
+            <a:normAutofit fontScale="67500" lnSpcReduction="20000"/>
+          </a:bodyPr>
+          <a:lstStyle>
+            <a:lvl1pPr algn="l" defTabSz="914400" rtl="0" eaLnBrk="1" latinLnBrk="0" hangingPunct="1">
+              <a:lnSpc>
+                <a:spcPct val="90000"/>
+              </a:lnSpc>
+              <a:spcBef>
+                <a:spcPct val="0"/>
+              </a:spcBef>
+              <a:buNone/>
+              <a:defRPr sz="4400" kern="1200">
+                <a:solidFill>
+                  <a:schemeClr val="accent1"/>
+                </a:solidFill>
+                <a:latin typeface="+mj-lt"/>
+                <a:ea typeface="+mj-ea"/>
+                <a:cs typeface="+mj-cs"/>
+              </a:defRPr>
+            </a:lvl1pPr>
+          </a:lstStyle>
+          <a:p>
+            <a:r>
+              <a:rPr lang="en-US" sz="4000" dirty="0" smtClean="0">
+                <a:latin typeface="Anko Personal Use SemBd" pitchFamily="50" charset="0"/>
+              </a:rPr>
+              <a:t>Meta Description – Below 70 characters:</a:t>
+            </a:r>
+            <a:endParaRPr lang="en-US" sz="4000" dirty="0">
+              <a:latin typeface="Anko Personal Use SemBd" pitchFamily="50" charset="0"/>
+            </a:endParaRPr>
+          </a:p>
+        </p:txBody>
+      </p:sp>
+      <p:pic>
+        <p:nvPicPr>
+          <p:cNvPr id="4" name="Picture 3"/>
+          <p:cNvPicPr>
+            <a:picLocks noChangeAspect="1"/>
+          </p:cNvPicPr>
+          <p:nvPr/>
+        </p:nvPicPr>
+        <p:blipFill>
+          <a:blip r:embed="rId2"/>
+          <a:stretch>
+            <a:fillRect/>
+          </a:stretch>
+        </p:blipFill>
+        <p:spPr>
+          <a:xfrm>
+            <a:off x="3291840" y="1123406"/>
+            <a:ext cx="8408533" cy="5213916"/>
+          </a:xfrm>
+          <a:prstGeom prst="rect">
+            <a:avLst/>
+          </a:prstGeom>
+        </p:spPr>
+      </p:pic>
+    </p:spTree>
+    <p:extLst>
+      <p:ext uri="{BB962C8B-B14F-4D97-AF65-F5344CB8AC3E}">
+        <p14:creationId xmlns:p14="http://schemas.microsoft.com/office/powerpoint/2010/main" val="295725959"/>
+      </p:ext>
+    </p:extLst>
+  </p:cSld>
+  <p:clrMapOvr>
+    <a:masterClrMapping/>
+  </p:clrMapOvr>
+  <p:timing>
+    <p:tnLst>
+      <p:par>
+        <p:cTn id="1" dur="indefinite" restart="never" nodeType="tmRoot"/>
+      </p:par>
+    </p:tnLst>
+  </p:timing>
+</p:sld>
+</file>
+
+<file path=ppt/slides/slide35.xml><?xml version="1.0" encoding="utf-8"?>
+<p:sld xmlns:a="http://schemas.openxmlformats.org/drawingml/2006/main" xmlns:r="http://schemas.openxmlformats.org/officeDocument/2006/relationships" xmlns:p="http://schemas.openxmlformats.org/presentationml/2006/main">
+  <p:cSld>
+    <p:spTree>
+      <p:nvGrpSpPr>
+        <p:cNvPr id="1" name=""/>
+        <p:cNvGrpSpPr/>
+        <p:nvPr/>
+      </p:nvGrpSpPr>
+      <p:grpSpPr>
+        <a:xfrm>
+          <a:off x="0" y="0"/>
+          <a:ext cx="0" cy="0"/>
+          <a:chOff x="0" y="0"/>
+          <a:chExt cx="0" cy="0"/>
+        </a:xfrm>
+      </p:grpSpPr>
+      <p:sp>
+        <p:nvSpPr>
+          <p:cNvPr id="2" name="Title 1">
+            <a:extLst>
+              <a:ext uri="{FF2B5EF4-FFF2-40B4-BE49-F238E27FC236}">
+                <a16:creationId xmlns:a16="http://schemas.microsoft.com/office/drawing/2014/main" id="{34DB6CE4-2B13-4715-B5B2-615A55922CA1}"/>
+              </a:ext>
+            </a:extLst>
+          </p:cNvPr>
+          <p:cNvSpPr>
+            <a:spLocks noGrp="1"/>
+          </p:cNvSpPr>
+          <p:nvPr>
+            <p:ph type="title"/>
+          </p:nvPr>
+        </p:nvSpPr>
+        <p:spPr>
+          <a:xfrm>
+            <a:off x="594360" y="470263"/>
+            <a:ext cx="9875520" cy="653143"/>
+          </a:xfrm>
+        </p:spPr>
+        <p:txBody>
+          <a:bodyPr>
+            <a:normAutofit fontScale="90000"/>
+          </a:bodyPr>
+          <a:lstStyle/>
+          <a:p>
+            <a:r>
+              <a:rPr lang="en-US" dirty="0">
+                <a:solidFill>
+                  <a:srgbClr val="FF0000"/>
+                </a:solidFill>
+                <a:latin typeface="Rockwell" panose="02060603020205020403" pitchFamily="18" charset="0"/>
+              </a:rPr>
+              <a:t>https://www.jiomart.com/</a:t>
+            </a:r>
+            <a:endParaRPr lang="en-US" sz="4400" dirty="0">
+              <a:solidFill>
+                <a:srgbClr val="FF0000"/>
+              </a:solidFill>
+              <a:latin typeface="Rockwell" panose="02060603020205020403" pitchFamily="18" charset="0"/>
+            </a:endParaRPr>
+          </a:p>
+        </p:txBody>
+      </p:sp>
+      <p:sp>
+        <p:nvSpPr>
+          <p:cNvPr id="5" name="Title 1">
+            <a:extLst>
+              <a:ext uri="{FF2B5EF4-FFF2-40B4-BE49-F238E27FC236}">
+                <a16:creationId xmlns:a16="http://schemas.microsoft.com/office/drawing/2014/main" id="{34DB6CE4-2B13-4715-B5B2-615A55922CA1}"/>
+              </a:ext>
+            </a:extLst>
+          </p:cNvPr>
+          <p:cNvSpPr txBox="1">
+            <a:spLocks/>
+          </p:cNvSpPr>
+          <p:nvPr/>
+        </p:nvSpPr>
+        <p:spPr>
+          <a:xfrm>
+            <a:off x="594360" y="1262744"/>
+            <a:ext cx="7800703" cy="487679"/>
+          </a:xfrm>
+          <a:prstGeom prst="rect">
+            <a:avLst/>
+          </a:prstGeom>
+        </p:spPr>
+        <p:txBody>
+          <a:bodyPr vert="horz" lIns="91440" tIns="45720" rIns="91440" bIns="45720" rtlCol="0" anchor="ctr">
+            <a:normAutofit fontScale="75000" lnSpcReduction="20000"/>
+          </a:bodyPr>
+          <a:lstStyle>
+            <a:lvl1pPr algn="l" defTabSz="914400" rtl="0" eaLnBrk="1" latinLnBrk="0" hangingPunct="1">
+              <a:lnSpc>
+                <a:spcPct val="90000"/>
+              </a:lnSpc>
+              <a:spcBef>
+                <a:spcPct val="0"/>
+              </a:spcBef>
+              <a:buNone/>
+              <a:defRPr sz="4400" kern="1200">
+                <a:solidFill>
+                  <a:schemeClr val="accent1"/>
+                </a:solidFill>
+                <a:latin typeface="+mj-lt"/>
+                <a:ea typeface="+mj-ea"/>
+                <a:cs typeface="+mj-cs"/>
+              </a:defRPr>
+            </a:lvl1pPr>
+          </a:lstStyle>
+          <a:p>
+            <a:r>
+              <a:rPr lang="en-US" dirty="0" smtClean="0">
+                <a:latin typeface="Anko Personal Use SemBd" pitchFamily="50" charset="0"/>
+              </a:rPr>
+              <a:t>Meta Description </a:t>
+            </a:r>
+            <a:r>
+              <a:rPr lang="en-US" dirty="0" smtClean="0">
+                <a:latin typeface="Anko Personal Use SemBd" pitchFamily="50" charset="0"/>
+              </a:rPr>
+              <a:t>– other options</a:t>
+            </a:r>
+            <a:endParaRPr lang="en-US" dirty="0">
+              <a:latin typeface="Anko Personal Use SemBd" pitchFamily="50" charset="0"/>
+            </a:endParaRPr>
+          </a:p>
+        </p:txBody>
+      </p:sp>
+      <p:sp>
+        <p:nvSpPr>
+          <p:cNvPr id="6" name="Title 1">
+            <a:extLst>
+              <a:ext uri="{FF2B5EF4-FFF2-40B4-BE49-F238E27FC236}">
+                <a16:creationId xmlns:a16="http://schemas.microsoft.com/office/drawing/2014/main" id="{34DB6CE4-2B13-4715-B5B2-615A55922CA1}"/>
+              </a:ext>
+            </a:extLst>
+          </p:cNvPr>
+          <p:cNvSpPr txBox="1">
+            <a:spLocks/>
+          </p:cNvSpPr>
+          <p:nvPr/>
+        </p:nvSpPr>
+        <p:spPr>
+          <a:xfrm>
+            <a:off x="594360" y="1750423"/>
+            <a:ext cx="11266715" cy="4781005"/>
+          </a:xfrm>
+          <a:prstGeom prst="rect">
+            <a:avLst/>
+          </a:prstGeom>
+        </p:spPr>
+        <p:txBody>
+          <a:bodyPr vert="horz" lIns="91440" tIns="45720" rIns="91440" bIns="45720" rtlCol="0" anchor="ctr">
+            <a:normAutofit fontScale="97500"/>
+          </a:bodyPr>
+          <a:lstStyle>
+            <a:lvl1pPr algn="l" defTabSz="914400" rtl="0" eaLnBrk="1" latinLnBrk="0" hangingPunct="1">
+              <a:lnSpc>
+                <a:spcPct val="90000"/>
+              </a:lnSpc>
+              <a:spcBef>
+                <a:spcPct val="0"/>
+              </a:spcBef>
+              <a:buNone/>
+              <a:defRPr sz="4400" kern="1200">
+                <a:solidFill>
+                  <a:schemeClr val="accent1"/>
+                </a:solidFill>
+                <a:latin typeface="+mj-lt"/>
+                <a:ea typeface="+mj-ea"/>
+                <a:cs typeface="+mj-cs"/>
+              </a:defRPr>
+            </a:lvl1pPr>
+          </a:lstStyle>
+          <a:p>
+            <a:pPr marL="571500" indent="-571500">
+              <a:buFont typeface="Arial" panose="020B0604020202020204" pitchFamily="34" charset="0"/>
+              <a:buChar char="•"/>
+            </a:pPr>
+            <a:r>
+              <a:rPr lang="en-US" dirty="0" smtClean="0">
+                <a:solidFill>
+                  <a:srgbClr val="996633"/>
+                </a:solidFill>
+                <a:latin typeface="Bahnschrift SemiBold Condensed" panose="020B0502040204020203" pitchFamily="34" charset="0"/>
+              </a:rPr>
+              <a:t>Meta Description – over 155 characters </a:t>
+            </a:r>
+            <a:r>
+              <a:rPr lang="en-US" dirty="0" smtClean="0">
+                <a:solidFill>
+                  <a:srgbClr val="996633"/>
+                </a:solidFill>
+                <a:latin typeface="Bahnschrift SemiBold Condensed" panose="020B0502040204020203" pitchFamily="34" charset="0"/>
+              </a:rPr>
+              <a:t>– no </a:t>
+            </a:r>
+            <a:r>
+              <a:rPr lang="en-US" dirty="0" smtClean="0">
+                <a:solidFill>
+                  <a:srgbClr val="996633"/>
+                </a:solidFill>
+                <a:latin typeface="Bahnschrift SemiBold Condensed" panose="020B0502040204020203" pitchFamily="34" charset="0"/>
+              </a:rPr>
+              <a:t>data</a:t>
+            </a:r>
+          </a:p>
+          <a:p>
+            <a:pPr marL="571500" indent="-571500">
+              <a:buFont typeface="Arial" panose="020B0604020202020204" pitchFamily="34" charset="0"/>
+              <a:buChar char="•"/>
+            </a:pPr>
+            <a:r>
+              <a:rPr lang="en-US" dirty="0" smtClean="0">
+                <a:solidFill>
+                  <a:srgbClr val="996633"/>
+                </a:solidFill>
+                <a:latin typeface="Bahnschrift SemiBold Condensed" panose="020B0502040204020203" pitchFamily="34" charset="0"/>
+              </a:rPr>
+              <a:t>Meta Description – multiple – no data</a:t>
+            </a:r>
+            <a:endParaRPr lang="en-US" dirty="0" smtClean="0">
+              <a:solidFill>
+                <a:srgbClr val="996633"/>
+              </a:solidFill>
+              <a:latin typeface="Bahnschrift SemiBold Condensed" panose="020B0502040204020203" pitchFamily="34" charset="0"/>
+            </a:endParaRPr>
+          </a:p>
+          <a:p>
+            <a:pPr marL="571500" indent="-571500">
+              <a:buFont typeface="Arial" panose="020B0604020202020204" pitchFamily="34" charset="0"/>
+              <a:buChar char="•"/>
+            </a:pPr>
+            <a:endParaRPr lang="en-US" dirty="0" smtClean="0">
+              <a:solidFill>
+                <a:srgbClr val="996633"/>
+              </a:solidFill>
+              <a:latin typeface="Bahnschrift SemiBold Condensed" panose="020B0502040204020203" pitchFamily="34" charset="0"/>
+            </a:endParaRPr>
+          </a:p>
+        </p:txBody>
+      </p:sp>
+    </p:spTree>
+    <p:extLst>
+      <p:ext uri="{BB962C8B-B14F-4D97-AF65-F5344CB8AC3E}">
+        <p14:creationId xmlns:p14="http://schemas.microsoft.com/office/powerpoint/2010/main" val="1064822859"/>
       </p:ext>
     </p:extLst>
   </p:cSld>
